--- a/picture/ppt/timer/timer.pptx
+++ b/picture/ppt/timer/timer.pptx
@@ -5,13 +5,15 @@
     <p:sldMasterId id="2147483648" r:id="rId1"/>
   </p:sldMasterIdLst>
   <p:notesMasterIdLst>
-    <p:notesMasterId r:id="rId4"/>
+    <p:notesMasterId r:id="rId6"/>
   </p:notesMasterIdLst>
   <p:handoutMasterIdLst>
-    <p:handoutMasterId r:id="rId5"/>
+    <p:handoutMasterId r:id="rId7"/>
   </p:handoutMasterIdLst>
   <p:sldIdLst>
     <p:sldId id="256" r:id="rId3"/>
+    <p:sldId id="257" r:id="rId4"/>
+    <p:sldId id="258" r:id="rId5"/>
   </p:sldIdLst>
   <p:sldSz cx="6858000" cy="9903460" type="A4"/>
   <p:notesSz cx="7103745" cy="10234295"/>
@@ -139,7 +141,7 @@
         <p:nvSpPr>
           <p:cNvPr id="2" name="页眉占位符 1"/>
           <p:cNvSpPr>
-            <a:spLocks noGrp="1"/>
+            <a:spLocks noGrp="true"/>
           </p:cNvSpPr>
           <p:nvPr>
             <p:ph type="hdr" sz="quarter"/>
@@ -170,7 +172,7 @@
         <p:nvSpPr>
           <p:cNvPr id="3" name="日期占位符 2"/>
           <p:cNvSpPr>
-            <a:spLocks noGrp="1"/>
+            <a:spLocks noGrp="true"/>
           </p:cNvSpPr>
           <p:nvPr>
             <p:ph type="dt" sz="quarter" idx="1"/>
@@ -204,7 +206,7 @@
         <p:nvSpPr>
           <p:cNvPr id="4" name="页脚占位符 3"/>
           <p:cNvSpPr>
-            <a:spLocks noGrp="1"/>
+            <a:spLocks noGrp="true"/>
           </p:cNvSpPr>
           <p:nvPr>
             <p:ph type="ftr" sz="quarter" idx="2"/>
@@ -235,7 +237,7 @@
         <p:nvSpPr>
           <p:cNvPr id="5" name="灯片编号占位符 4"/>
           <p:cNvSpPr>
-            <a:spLocks noGrp="1"/>
+            <a:spLocks noGrp="true"/>
           </p:cNvSpPr>
           <p:nvPr>
             <p:ph type="sldNum" sz="quarter" idx="3"/>
@@ -297,7 +299,7 @@
         <p:nvSpPr>
           <p:cNvPr id="2" name="页眉占位符 1"/>
           <p:cNvSpPr>
-            <a:spLocks noGrp="1"/>
+            <a:spLocks noGrp="true"/>
           </p:cNvSpPr>
           <p:nvPr>
             <p:ph type="hdr" sz="quarter"/>
@@ -328,7 +330,7 @@
         <p:nvSpPr>
           <p:cNvPr id="3" name="日期占位符 2"/>
           <p:cNvSpPr>
-            <a:spLocks noGrp="1"/>
+            <a:spLocks noGrp="true"/>
           </p:cNvSpPr>
           <p:nvPr>
             <p:ph type="dt" idx="1"/>
@@ -362,7 +364,7 @@
         <p:nvSpPr>
           <p:cNvPr id="4" name="幻灯片图像占位符 3"/>
           <p:cNvSpPr>
-            <a:spLocks noGrp="1" noRot="1" noChangeAspect="1"/>
+            <a:spLocks noGrp="true" noRot="true" noChangeAspect="true"/>
           </p:cNvSpPr>
           <p:nvPr>
             <p:ph type="sldImg" idx="2"/>
@@ -395,7 +397,7 @@
         <p:nvSpPr>
           <p:cNvPr id="5" name="备注占位符 4"/>
           <p:cNvSpPr>
-            <a:spLocks noGrp="1"/>
+            <a:spLocks noGrp="true"/>
           </p:cNvSpPr>
           <p:nvPr>
             <p:ph type="body" sz="quarter" idx="3"/>
@@ -459,7 +461,7 @@
         <p:nvSpPr>
           <p:cNvPr id="6" name="页脚占位符 5"/>
           <p:cNvSpPr>
-            <a:spLocks noGrp="1"/>
+            <a:spLocks noGrp="true"/>
           </p:cNvSpPr>
           <p:nvPr>
             <p:ph type="ftr" sz="quarter" idx="4"/>
@@ -490,7 +492,7 @@
         <p:nvSpPr>
           <p:cNvPr id="7" name="灯片编号占位符 6"/>
           <p:cNvSpPr>
-            <a:spLocks noGrp="1"/>
+            <a:spLocks noGrp="true"/>
           </p:cNvSpPr>
           <p:nvPr>
             <p:ph type="sldNum" sz="quarter" idx="5"/>
@@ -639,10 +641,10 @@
         <p:nvSpPr>
           <p:cNvPr id="2" name="标题 1"/>
           <p:cNvSpPr>
-            <a:spLocks noGrp="1"/>
+            <a:spLocks noGrp="true"/>
           </p:cNvSpPr>
           <p:nvPr>
-            <p:ph type="ctrTitle" hasCustomPrompt="1"/>
+            <p:ph type="ctrTitle" hasCustomPrompt="true"/>
           </p:nvPr>
         </p:nvSpPr>
         <p:spPr>
@@ -684,7 +686,7 @@
         <p:nvSpPr>
           <p:cNvPr id="4" name="日期占位符 3"/>
           <p:cNvSpPr>
-            <a:spLocks noGrp="1"/>
+            <a:spLocks noGrp="true"/>
           </p:cNvSpPr>
           <p:nvPr>
             <p:ph type="dt" sz="half" idx="10"/>
@@ -706,7 +708,7 @@
         <p:nvSpPr>
           <p:cNvPr id="5" name="页脚占位符 4"/>
           <p:cNvSpPr>
-            <a:spLocks noGrp="1"/>
+            <a:spLocks noGrp="true"/>
           </p:cNvSpPr>
           <p:nvPr>
             <p:ph type="ftr" sz="quarter" idx="11"/>
@@ -725,7 +727,7 @@
         <p:nvSpPr>
           <p:cNvPr id="6" name="灯片编号占位符 5"/>
           <p:cNvSpPr>
-            <a:spLocks noGrp="1"/>
+            <a:spLocks noGrp="true"/>
           </p:cNvSpPr>
           <p:nvPr>
             <p:ph type="sldNum" sz="quarter" idx="12"/>
@@ -747,10 +749,10 @@
         <p:nvSpPr>
           <p:cNvPr id="3" name="副标题 2"/>
           <p:cNvSpPr>
-            <a:spLocks noGrp="1"/>
+            <a:spLocks noGrp="true"/>
           </p:cNvSpPr>
           <p:nvPr>
-            <p:ph type="subTitle" idx="1" hasCustomPrompt="1"/>
+            <p:ph type="subTitle" idx="1" hasCustomPrompt="true"/>
           </p:nvPr>
         </p:nvSpPr>
         <p:spPr>
@@ -849,7 +851,7 @@
         <p:nvSpPr>
           <p:cNvPr id="3" name="日期占位符 2"/>
           <p:cNvSpPr>
-            <a:spLocks noGrp="1"/>
+            <a:spLocks noGrp="true"/>
           </p:cNvSpPr>
           <p:nvPr>
             <p:ph type="dt" sz="half" idx="10"/>
@@ -871,7 +873,7 @@
         <p:nvSpPr>
           <p:cNvPr id="4" name="页脚占位符 3"/>
           <p:cNvSpPr>
-            <a:spLocks noGrp="1"/>
+            <a:spLocks noGrp="true"/>
           </p:cNvSpPr>
           <p:nvPr>
             <p:ph type="ftr" sz="quarter" idx="11"/>
@@ -890,7 +892,7 @@
         <p:nvSpPr>
           <p:cNvPr id="5" name="灯片编号占位符 4"/>
           <p:cNvSpPr>
-            <a:spLocks noGrp="1"/>
+            <a:spLocks noGrp="true"/>
           </p:cNvSpPr>
           <p:nvPr>
             <p:ph type="sldNum" sz="quarter" idx="12"/>
@@ -912,7 +914,7 @@
         <p:nvSpPr>
           <p:cNvPr id="7" name="内容占位符 6"/>
           <p:cNvSpPr>
-            <a:spLocks noGrp="1"/>
+            <a:spLocks noGrp="true"/>
           </p:cNvSpPr>
           <p:nvPr>
             <p:ph sz="quarter" idx="13"/>
@@ -998,7 +1000,7 @@
         <p:nvSpPr>
           <p:cNvPr id="2" name="标题 1"/>
           <p:cNvSpPr>
-            <a:spLocks noGrp="1"/>
+            <a:spLocks noGrp="true"/>
           </p:cNvSpPr>
           <p:nvPr>
             <p:ph type="title"/>
@@ -1011,7 +1013,7 @@
           </a:xfrm>
         </p:spPr>
         <p:txBody>
-          <a:bodyPr anchor="ctr" anchorCtr="0">
+          <a:bodyPr anchor="ctr" anchorCtr="false">
             <a:normAutofit/>
           </a:bodyPr>
           <a:lstStyle>
@@ -1040,7 +1042,7 @@
         <p:nvSpPr>
           <p:cNvPr id="3" name="内容占位符 2"/>
           <p:cNvSpPr>
-            <a:spLocks noGrp="1"/>
+            <a:spLocks noGrp="true"/>
           </p:cNvSpPr>
           <p:nvPr>
             <p:ph idx="1"/>
@@ -1154,7 +1156,7 @@
         <p:nvSpPr>
           <p:cNvPr id="4" name="日期占位符 3"/>
           <p:cNvSpPr>
-            <a:spLocks noGrp="1"/>
+            <a:spLocks noGrp="true"/>
           </p:cNvSpPr>
           <p:nvPr>
             <p:ph type="dt" sz="half" idx="10"/>
@@ -1176,7 +1178,7 @@
         <p:nvSpPr>
           <p:cNvPr id="5" name="页脚占位符 4"/>
           <p:cNvSpPr>
-            <a:spLocks noGrp="1"/>
+            <a:spLocks noGrp="true"/>
           </p:cNvSpPr>
           <p:nvPr>
             <p:ph type="ftr" sz="quarter" idx="11"/>
@@ -1195,7 +1197,7 @@
         <p:nvSpPr>
           <p:cNvPr id="6" name="灯片编号占位符 5"/>
           <p:cNvSpPr>
-            <a:spLocks noGrp="1"/>
+            <a:spLocks noGrp="true"/>
           </p:cNvSpPr>
           <p:nvPr>
             <p:ph type="sldNum" sz="quarter" idx="12"/>
@@ -1242,7 +1244,7 @@
         <p:nvSpPr>
           <p:cNvPr id="2" name="标题 1"/>
           <p:cNvSpPr>
-            <a:spLocks noGrp="1"/>
+            <a:spLocks noGrp="true"/>
           </p:cNvSpPr>
           <p:nvPr>
             <p:ph type="title"/>
@@ -1284,7 +1286,7 @@
         <p:nvSpPr>
           <p:cNvPr id="3" name="文本占位符 2"/>
           <p:cNvSpPr>
-            <a:spLocks noGrp="1"/>
+            <a:spLocks noGrp="true"/>
           </p:cNvSpPr>
           <p:nvPr>
             <p:ph type="body" idx="1"/>
@@ -1404,7 +1406,7 @@
         <p:nvSpPr>
           <p:cNvPr id="4" name="日期占位符 3"/>
           <p:cNvSpPr>
-            <a:spLocks noGrp="1"/>
+            <a:spLocks noGrp="true"/>
           </p:cNvSpPr>
           <p:nvPr>
             <p:ph type="dt" sz="half" idx="10"/>
@@ -1426,7 +1428,7 @@
         <p:nvSpPr>
           <p:cNvPr id="5" name="页脚占位符 4"/>
           <p:cNvSpPr>
-            <a:spLocks noGrp="1"/>
+            <a:spLocks noGrp="true"/>
           </p:cNvSpPr>
           <p:nvPr>
             <p:ph type="ftr" sz="quarter" idx="11"/>
@@ -1445,7 +1447,7 @@
         <p:nvSpPr>
           <p:cNvPr id="6" name="灯片编号占位符 5"/>
           <p:cNvSpPr>
-            <a:spLocks noGrp="1"/>
+            <a:spLocks noGrp="true"/>
           </p:cNvSpPr>
           <p:nvPr>
             <p:ph type="sldNum" sz="quarter" idx="12"/>
@@ -1492,7 +1494,7 @@
         <p:nvSpPr>
           <p:cNvPr id="2" name="标题 1"/>
           <p:cNvSpPr>
-            <a:spLocks noGrp="1"/>
+            <a:spLocks noGrp="true"/>
           </p:cNvSpPr>
           <p:nvPr>
             <p:ph type="title"/>
@@ -1534,7 +1536,7 @@
         <p:nvSpPr>
           <p:cNvPr id="3" name="内容占位符 2"/>
           <p:cNvSpPr>
-            <a:spLocks noGrp="1"/>
+            <a:spLocks noGrp="true"/>
           </p:cNvSpPr>
           <p:nvPr>
             <p:ph sz="half" idx="1"/>
@@ -1663,7 +1665,7 @@
         <p:nvSpPr>
           <p:cNvPr id="4" name="内容占位符 3"/>
           <p:cNvSpPr>
-            <a:spLocks noGrp="1"/>
+            <a:spLocks noGrp="true"/>
           </p:cNvSpPr>
           <p:nvPr>
             <p:ph sz="half" idx="2"/>
@@ -1792,7 +1794,7 @@
         <p:nvSpPr>
           <p:cNvPr id="5" name="日期占位符 4"/>
           <p:cNvSpPr>
-            <a:spLocks noGrp="1"/>
+            <a:spLocks noGrp="true"/>
           </p:cNvSpPr>
           <p:nvPr>
             <p:ph type="dt" sz="half" idx="10"/>
@@ -1814,7 +1816,7 @@
         <p:nvSpPr>
           <p:cNvPr id="6" name="页脚占位符 5"/>
           <p:cNvSpPr>
-            <a:spLocks noGrp="1"/>
+            <a:spLocks noGrp="true"/>
           </p:cNvSpPr>
           <p:nvPr>
             <p:ph type="ftr" sz="quarter" idx="11"/>
@@ -1833,7 +1835,7 @@
         <p:nvSpPr>
           <p:cNvPr id="7" name="灯片编号占位符 6"/>
           <p:cNvSpPr>
-            <a:spLocks noGrp="1"/>
+            <a:spLocks noGrp="true"/>
           </p:cNvSpPr>
           <p:nvPr>
             <p:ph type="sldNum" sz="quarter" idx="12"/>
@@ -1880,7 +1882,7 @@
         <p:nvSpPr>
           <p:cNvPr id="2" name="标题 1"/>
           <p:cNvSpPr>
-            <a:spLocks noGrp="1"/>
+            <a:spLocks noGrp="true"/>
           </p:cNvSpPr>
           <p:nvPr>
             <p:ph type="title"/>
@@ -1908,7 +1910,7 @@
         <p:nvSpPr>
           <p:cNvPr id="3" name="文本占位符 2"/>
           <p:cNvSpPr>
-            <a:spLocks noGrp="1"/>
+            <a:spLocks noGrp="true"/>
           </p:cNvSpPr>
           <p:nvPr>
             <p:ph type="body" idx="1"/>
@@ -1974,7 +1976,7 @@
         <p:nvSpPr>
           <p:cNvPr id="4" name="内容占位符 3"/>
           <p:cNvSpPr>
-            <a:spLocks noGrp="1"/>
+            <a:spLocks noGrp="true"/>
           </p:cNvSpPr>
           <p:nvPr>
             <p:ph sz="half" idx="2"/>
@@ -2035,7 +2037,7 @@
         <p:nvSpPr>
           <p:cNvPr id="5" name="文本占位符 4"/>
           <p:cNvSpPr>
-            <a:spLocks noGrp="1"/>
+            <a:spLocks noGrp="true"/>
           </p:cNvSpPr>
           <p:nvPr>
             <p:ph type="body" sz="quarter" idx="3"/>
@@ -2101,7 +2103,7 @@
         <p:nvSpPr>
           <p:cNvPr id="6" name="内容占位符 5"/>
           <p:cNvSpPr>
-            <a:spLocks noGrp="1"/>
+            <a:spLocks noGrp="true"/>
           </p:cNvSpPr>
           <p:nvPr>
             <p:ph sz="quarter" idx="4"/>
@@ -2162,7 +2164,7 @@
         <p:nvSpPr>
           <p:cNvPr id="7" name="日期占位符 6"/>
           <p:cNvSpPr>
-            <a:spLocks noGrp="1"/>
+            <a:spLocks noGrp="true"/>
           </p:cNvSpPr>
           <p:nvPr>
             <p:ph type="dt" sz="half" idx="10"/>
@@ -2184,7 +2186,7 @@
         <p:nvSpPr>
           <p:cNvPr id="8" name="页脚占位符 7"/>
           <p:cNvSpPr>
-            <a:spLocks noGrp="1"/>
+            <a:spLocks noGrp="true"/>
           </p:cNvSpPr>
           <p:nvPr>
             <p:ph type="ftr" sz="quarter" idx="11"/>
@@ -2203,7 +2205,7 @@
         <p:nvSpPr>
           <p:cNvPr id="9" name="灯片编号占位符 8"/>
           <p:cNvSpPr>
-            <a:spLocks noGrp="1"/>
+            <a:spLocks noGrp="true"/>
           </p:cNvSpPr>
           <p:nvPr>
             <p:ph type="sldNum" sz="quarter" idx="12"/>
@@ -2250,7 +2252,7 @@
         <p:nvSpPr>
           <p:cNvPr id="2" name="标题 1"/>
           <p:cNvSpPr>
-            <a:spLocks noGrp="1"/>
+            <a:spLocks noGrp="true"/>
           </p:cNvSpPr>
           <p:nvPr>
             <p:ph type="title"/>
@@ -2292,7 +2294,7 @@
         <p:nvSpPr>
           <p:cNvPr id="3" name="日期占位符 2"/>
           <p:cNvSpPr>
-            <a:spLocks noGrp="1"/>
+            <a:spLocks noGrp="true"/>
           </p:cNvSpPr>
           <p:nvPr>
             <p:ph type="dt" sz="half" idx="10"/>
@@ -2314,7 +2316,7 @@
         <p:nvSpPr>
           <p:cNvPr id="4" name="页脚占位符 3"/>
           <p:cNvSpPr>
-            <a:spLocks noGrp="1"/>
+            <a:spLocks noGrp="true"/>
           </p:cNvSpPr>
           <p:nvPr>
             <p:ph type="ftr" sz="quarter" idx="11"/>
@@ -2333,7 +2335,7 @@
         <p:nvSpPr>
           <p:cNvPr id="5" name="灯片编号占位符 4"/>
           <p:cNvSpPr>
-            <a:spLocks noGrp="1"/>
+            <a:spLocks noGrp="true"/>
           </p:cNvSpPr>
           <p:nvPr>
             <p:ph type="sldNum" sz="quarter" idx="12"/>
@@ -2380,7 +2382,7 @@
         <p:nvSpPr>
           <p:cNvPr id="2" name="日期占位符 1"/>
           <p:cNvSpPr>
-            <a:spLocks noGrp="1"/>
+            <a:spLocks noGrp="true"/>
           </p:cNvSpPr>
           <p:nvPr>
             <p:ph type="dt" sz="half" idx="10"/>
@@ -2402,7 +2404,7 @@
         <p:nvSpPr>
           <p:cNvPr id="3" name="页脚占位符 2"/>
           <p:cNvSpPr>
-            <a:spLocks noGrp="1"/>
+            <a:spLocks noGrp="true"/>
           </p:cNvSpPr>
           <p:nvPr>
             <p:ph type="ftr" sz="quarter" idx="11"/>
@@ -2421,7 +2423,7 @@
         <p:nvSpPr>
           <p:cNvPr id="4" name="灯片编号占位符 3"/>
           <p:cNvSpPr>
-            <a:spLocks noGrp="1"/>
+            <a:spLocks noGrp="true"/>
           </p:cNvSpPr>
           <p:nvPr>
             <p:ph type="sldNum" sz="quarter" idx="12"/>
@@ -2468,10 +2470,10 @@
         <p:nvSpPr>
           <p:cNvPr id="2" name="标题 1"/>
           <p:cNvSpPr>
-            <a:spLocks noGrp="1"/>
+            <a:spLocks noGrp="true"/>
           </p:cNvSpPr>
           <p:nvPr>
-            <p:ph type="title" hasCustomPrompt="1"/>
+            <p:ph type="title" hasCustomPrompt="true"/>
           </p:nvPr>
         </p:nvSpPr>
         <p:spPr>
@@ -2481,7 +2483,7 @@
           </a:xfrm>
         </p:spPr>
         <p:txBody>
-          <a:bodyPr anchor="ctr" anchorCtr="0">
+          <a:bodyPr anchor="ctr" anchorCtr="false">
             <a:normAutofit/>
           </a:bodyPr>
           <a:lstStyle>
@@ -2510,7 +2512,7 @@
         <p:nvSpPr>
           <p:cNvPr id="3" name="图片占位符 2"/>
           <p:cNvSpPr>
-            <a:spLocks noGrp="1" noChangeAspect="1"/>
+            <a:spLocks noGrp="true" noChangeAspect="true"/>
           </p:cNvSpPr>
           <p:nvPr>
             <p:ph type="pic" idx="1"/>
@@ -2571,7 +2573,7 @@
         <p:nvSpPr>
           <p:cNvPr id="4" name="文本占位符 3"/>
           <p:cNvSpPr>
-            <a:spLocks noGrp="1"/>
+            <a:spLocks noGrp="true"/>
           </p:cNvSpPr>
           <p:nvPr>
             <p:ph type="body" sz="half" idx="2"/>
@@ -2642,7 +2644,7 @@
         <p:nvSpPr>
           <p:cNvPr id="5" name="日期占位符 4"/>
           <p:cNvSpPr>
-            <a:spLocks noGrp="1"/>
+            <a:spLocks noGrp="true"/>
           </p:cNvSpPr>
           <p:nvPr>
             <p:ph type="dt" sz="half" idx="10"/>
@@ -2664,7 +2666,7 @@
         <p:nvSpPr>
           <p:cNvPr id="6" name="页脚占位符 5"/>
           <p:cNvSpPr>
-            <a:spLocks noGrp="1"/>
+            <a:spLocks noGrp="true"/>
           </p:cNvSpPr>
           <p:nvPr>
             <p:ph type="ftr" sz="quarter" idx="11"/>
@@ -2683,7 +2685,7 @@
         <p:nvSpPr>
           <p:cNvPr id="7" name="灯片编号占位符 6"/>
           <p:cNvSpPr>
-            <a:spLocks noGrp="1"/>
+            <a:spLocks noGrp="true"/>
           </p:cNvSpPr>
           <p:nvPr>
             <p:ph type="sldNum" sz="quarter" idx="12"/>
@@ -2730,7 +2732,7 @@
         <p:nvSpPr>
           <p:cNvPr id="2" name="竖排标题 1"/>
           <p:cNvSpPr>
-            <a:spLocks noGrp="1"/>
+            <a:spLocks noGrp="true"/>
           </p:cNvSpPr>
           <p:nvPr>
             <p:ph type="title" orient="vert"/>
@@ -2764,7 +2766,7 @@
         <p:nvSpPr>
           <p:cNvPr id="3" name="竖排文字占位符 2"/>
           <p:cNvSpPr>
-            <a:spLocks noGrp="1"/>
+            <a:spLocks noGrp="true"/>
           </p:cNvSpPr>
           <p:nvPr>
             <p:ph type="body" orient="vert" idx="1"/>
@@ -2825,7 +2827,7 @@
         <p:nvSpPr>
           <p:cNvPr id="4" name="日期占位符 3"/>
           <p:cNvSpPr>
-            <a:spLocks noGrp="1"/>
+            <a:spLocks noGrp="true"/>
           </p:cNvSpPr>
           <p:nvPr>
             <p:ph type="dt" sz="half" idx="10"/>
@@ -2847,7 +2849,7 @@
         <p:nvSpPr>
           <p:cNvPr id="5" name="页脚占位符 4"/>
           <p:cNvSpPr>
-            <a:spLocks noGrp="1"/>
+            <a:spLocks noGrp="true"/>
           </p:cNvSpPr>
           <p:nvPr>
             <p:ph type="ftr" sz="quarter" idx="11"/>
@@ -2866,7 +2868,7 @@
         <p:nvSpPr>
           <p:cNvPr id="6" name="灯片编号占位符 5"/>
           <p:cNvSpPr>
-            <a:spLocks noGrp="1"/>
+            <a:spLocks noGrp="true"/>
           </p:cNvSpPr>
           <p:nvPr>
             <p:ph type="sldNum" sz="quarter" idx="12"/>
@@ -2921,7 +2923,7 @@
         <p:nvSpPr>
           <p:cNvPr id="2" name="标题占位符 1"/>
           <p:cNvSpPr>
-            <a:spLocks noGrp="1"/>
+            <a:spLocks noGrp="true"/>
           </p:cNvSpPr>
           <p:nvPr>
             <p:ph type="title"/>
@@ -2954,7 +2956,7 @@
         <p:nvSpPr>
           <p:cNvPr id="3" name="文本占位符 2"/>
           <p:cNvSpPr>
-            <a:spLocks noGrp="1"/>
+            <a:spLocks noGrp="true"/>
           </p:cNvSpPr>
           <p:nvPr>
             <p:ph type="body" idx="1"/>
@@ -3020,7 +3022,7 @@
         <p:nvSpPr>
           <p:cNvPr id="4" name="日期占位符 3"/>
           <p:cNvSpPr>
-            <a:spLocks noGrp="1"/>
+            <a:spLocks noGrp="true"/>
           </p:cNvSpPr>
           <p:nvPr>
             <p:ph type="dt" sz="half" idx="2"/>
@@ -3062,7 +3064,7 @@
         <p:nvSpPr>
           <p:cNvPr id="5" name="页脚占位符 4"/>
           <p:cNvSpPr>
-            <a:spLocks noGrp="1"/>
+            <a:spLocks noGrp="true"/>
           </p:cNvSpPr>
           <p:nvPr>
             <p:ph type="ftr" sz="quarter" idx="3"/>
@@ -3101,7 +3103,7 @@
         <p:nvSpPr>
           <p:cNvPr id="6" name="灯片编号占位符 5"/>
           <p:cNvSpPr>
-            <a:spLocks noGrp="1"/>
+            <a:spLocks noGrp="true"/>
           </p:cNvSpPr>
           <p:nvPr>
             <p:ph type="sldNum" sz="quarter" idx="4"/>
@@ -3182,7 +3184,7 @@
         <a:spcBef>
           <a:spcPts val="750"/>
         </a:spcBef>
-        <a:buFont typeface="Arial" panose="020B0604020202020204" pitchFamily="34" charset="0"/>
+        <a:buFont typeface="Arial" panose="02080604020202020204" pitchFamily="34" charset="0"/>
         <a:buChar char="•"/>
         <a:defRPr sz="1800" kern="1200">
           <a:solidFill>
@@ -3200,7 +3202,7 @@
         <a:spcBef>
           <a:spcPts val="375"/>
         </a:spcBef>
-        <a:buFont typeface="Arial" panose="020B0604020202020204" pitchFamily="34" charset="0"/>
+        <a:buFont typeface="Arial" panose="02080604020202020204" pitchFamily="34" charset="0"/>
         <a:buChar char="•"/>
         <a:defRPr sz="1500" kern="1200">
           <a:solidFill>
@@ -3218,7 +3220,7 @@
         <a:spcBef>
           <a:spcPts val="375"/>
         </a:spcBef>
-        <a:buFont typeface="Arial" panose="020B0604020202020204" pitchFamily="34" charset="0"/>
+        <a:buFont typeface="Arial" panose="02080604020202020204" pitchFamily="34" charset="0"/>
         <a:buChar char="•"/>
         <a:defRPr sz="1350" kern="1200">
           <a:solidFill>
@@ -3236,7 +3238,7 @@
         <a:spcBef>
           <a:spcPts val="375"/>
         </a:spcBef>
-        <a:buFont typeface="Arial" panose="020B0604020202020204" pitchFamily="34" charset="0"/>
+        <a:buFont typeface="Arial" panose="02080604020202020204" pitchFamily="34" charset="0"/>
         <a:buChar char="•"/>
         <a:defRPr sz="1350" kern="1200">
           <a:solidFill>
@@ -3254,7 +3256,7 @@
         <a:spcBef>
           <a:spcPts val="375"/>
         </a:spcBef>
-        <a:buFont typeface="Arial" panose="020B0604020202020204" pitchFamily="34" charset="0"/>
+        <a:buFont typeface="Arial" panose="02080604020202020204" pitchFamily="34" charset="0"/>
         <a:buChar char="•"/>
         <a:defRPr sz="1350" kern="1200">
           <a:solidFill>
@@ -3272,7 +3274,7 @@
         <a:spcBef>
           <a:spcPts val="375"/>
         </a:spcBef>
-        <a:buFont typeface="Arial" panose="020B0604020202020204" pitchFamily="34" charset="0"/>
+        <a:buFont typeface="Arial" panose="02080604020202020204" pitchFamily="34" charset="0"/>
         <a:buChar char="•"/>
         <a:defRPr sz="1350" kern="1200">
           <a:solidFill>
@@ -3290,7 +3292,7 @@
         <a:spcBef>
           <a:spcPts val="375"/>
         </a:spcBef>
-        <a:buFont typeface="Arial" panose="020B0604020202020204" pitchFamily="34" charset="0"/>
+        <a:buFont typeface="Arial" panose="02080604020202020204" pitchFamily="34" charset="0"/>
         <a:buChar char="•"/>
         <a:defRPr sz="1350" kern="1200">
           <a:solidFill>
@@ -3308,7 +3310,7 @@
         <a:spcBef>
           <a:spcPts val="375"/>
         </a:spcBef>
-        <a:buFont typeface="Arial" panose="020B0604020202020204" pitchFamily="34" charset="0"/>
+        <a:buFont typeface="Arial" panose="02080604020202020204" pitchFamily="34" charset="0"/>
         <a:buChar char="•"/>
         <a:defRPr sz="1350" kern="1200">
           <a:solidFill>
@@ -3326,7 +3328,7 @@
         <a:spcBef>
           <a:spcPts val="375"/>
         </a:spcBef>
-        <a:buFont typeface="Arial" panose="020B0604020202020204" pitchFamily="34" charset="0"/>
+        <a:buFont typeface="Arial" panose="02080604020202020204" pitchFamily="34" charset="0"/>
         <a:buChar char="•"/>
         <a:defRPr sz="1350" kern="1200">
           <a:solidFill>
@@ -3500,14 +3502,14 @@
           <a:p>
             <a:pPr algn="ctr"/>
             <a:r>
-              <a:rPr lang="" altLang="zh-CN" sz="1000" b="1">
+              <a:rPr lang="en-US" altLang="zh-CN" sz="1000" b="1">
                 <a:solidFill>
                   <a:srgbClr val="2C3E50"/>
                 </a:solidFill>
               </a:rPr>
               <a:t>cpu0</a:t>
             </a:r>
-            <a:endParaRPr lang="" altLang="zh-CN" sz="1000" b="1">
+            <a:endParaRPr lang="en-US" altLang="zh-CN" sz="1000" b="1">
               <a:solidFill>
                 <a:srgbClr val="2C3E50"/>
               </a:solidFill>
@@ -3576,14 +3578,14 @@
               <a:t>cpu</a:t>
             </a:r>
             <a:r>
-              <a:rPr lang="" altLang="en-US" sz="1000" b="1">
+              <a:rPr lang="en-US" altLang="en-US" sz="1000" b="1">
                 <a:solidFill>
                   <a:srgbClr val="2C3E50"/>
                 </a:solidFill>
               </a:rPr>
               <a:t>1</a:t>
             </a:r>
-            <a:endParaRPr lang="" altLang="en-US" sz="1000" b="1">
+            <a:endParaRPr lang="en-US" altLang="en-US" sz="1000" b="1">
               <a:solidFill>
                 <a:srgbClr val="2C3E50"/>
               </a:solidFill>
@@ -3652,14 +3654,14 @@
               <a:t>cpu</a:t>
             </a:r>
             <a:r>
-              <a:rPr lang="" altLang="en-US" sz="1000" b="1">
+              <a:rPr lang="en-US" altLang="en-US" sz="1000" b="1">
                 <a:solidFill>
                   <a:srgbClr val="2C3E50"/>
                 </a:solidFill>
               </a:rPr>
               <a:t>2</a:t>
             </a:r>
-            <a:endParaRPr lang="" altLang="en-US" sz="1000" b="1">
+            <a:endParaRPr lang="en-US" altLang="en-US" sz="1000" b="1">
               <a:solidFill>
                 <a:srgbClr val="2C3E50"/>
               </a:solidFill>
@@ -3728,14 +3730,14 @@
               <a:t>cpu</a:t>
             </a:r>
             <a:r>
-              <a:rPr lang="" altLang="en-US" sz="1000" b="1">
+              <a:rPr lang="en-US" altLang="en-US" sz="1000" b="1">
                 <a:solidFill>
                   <a:srgbClr val="2C3E50"/>
                 </a:solidFill>
               </a:rPr>
               <a:t>3</a:t>
             </a:r>
-            <a:endParaRPr lang="" altLang="en-US" sz="1000" b="1">
+            <a:endParaRPr lang="en-US" altLang="en-US" sz="1000" b="1">
               <a:solidFill>
                 <a:srgbClr val="2C3E50"/>
               </a:solidFill>
@@ -3804,14 +3806,14 @@
               <a:t>cpu</a:t>
             </a:r>
             <a:r>
-              <a:rPr lang="" altLang="en-US" sz="1000" b="1">
+              <a:rPr lang="en-US" altLang="en-US" sz="1000" b="1">
                 <a:solidFill>
                   <a:srgbClr val="2C3E50"/>
                 </a:solidFill>
               </a:rPr>
               <a:t>4</a:t>
             </a:r>
-            <a:endParaRPr lang="" altLang="en-US" sz="1000" b="1">
+            <a:endParaRPr lang="en-US" altLang="en-US" sz="1000" b="1">
               <a:solidFill>
                 <a:srgbClr val="2C3E50"/>
               </a:solidFill>
@@ -3880,14 +3882,14 @@
               <a:t>cpu</a:t>
             </a:r>
             <a:r>
-              <a:rPr lang="" altLang="en-US" sz="1000" b="1">
+              <a:rPr lang="en-US" altLang="en-US" sz="1000" b="1">
                 <a:solidFill>
                   <a:srgbClr val="2C3E50"/>
                 </a:solidFill>
               </a:rPr>
               <a:t>5</a:t>
             </a:r>
-            <a:endParaRPr lang="" altLang="en-US" sz="1000" b="1">
+            <a:endParaRPr lang="en-US" altLang="en-US" sz="1000" b="1">
               <a:solidFill>
                 <a:srgbClr val="2C3E50"/>
               </a:solidFill>
@@ -3956,14 +3958,14 @@
               <a:t>cpu</a:t>
             </a:r>
             <a:r>
-              <a:rPr lang="" altLang="en-US" sz="1000" b="1">
+              <a:rPr lang="en-US" altLang="en-US" sz="1000" b="1">
                 <a:solidFill>
                   <a:srgbClr val="2C3E50"/>
                 </a:solidFill>
               </a:rPr>
               <a:t>6</a:t>
             </a:r>
-            <a:endParaRPr lang="" altLang="en-US" sz="1000" b="1">
+            <a:endParaRPr lang="en-US" altLang="en-US" sz="1000" b="1">
               <a:solidFill>
                 <a:srgbClr val="2C3E50"/>
               </a:solidFill>
@@ -4032,14 +4034,14 @@
               <a:t>cpu</a:t>
             </a:r>
             <a:r>
-              <a:rPr lang="" altLang="en-US" sz="1000" b="1">
+              <a:rPr lang="en-US" altLang="en-US" sz="1000" b="1">
                 <a:solidFill>
                   <a:srgbClr val="2C3E50"/>
                 </a:solidFill>
               </a:rPr>
               <a:t>7</a:t>
             </a:r>
-            <a:endParaRPr lang="" altLang="en-US" sz="1000" b="1">
+            <a:endParaRPr lang="en-US" altLang="en-US" sz="1000" b="1">
               <a:solidFill>
                 <a:srgbClr val="2C3E50"/>
               </a:solidFill>
@@ -4056,7 +4058,7 @@
         <p:spPr>
           <a:xfrm>
             <a:off x="1367155" y="3641090"/>
-            <a:ext cx="604520" cy="319405"/>
+            <a:ext cx="926465" cy="319405"/>
           </a:xfrm>
           <a:prstGeom prst="rect">
             <a:avLst/>
@@ -4091,14 +4093,14 @@
           <a:p>
             <a:pPr algn="ctr"/>
             <a:r>
-              <a:rPr lang="" altLang="zh-CN" sz="800" b="1">
+              <a:rPr lang="en-US" altLang="zh-CN" sz="800" b="1">
                 <a:solidFill>
                   <a:srgbClr val="2C3E50"/>
                 </a:solidFill>
               </a:rPr>
               <a:t>System count</a:t>
             </a:r>
-            <a:endParaRPr lang="" altLang="zh-CN" sz="800" b="1">
+            <a:endParaRPr lang="en-US" altLang="zh-CN" sz="800" b="1">
               <a:solidFill>
                 <a:srgbClr val="2C3E50"/>
               </a:solidFill>
@@ -4114,8 +4116,8 @@
         </p:nvSpPr>
         <p:spPr>
           <a:xfrm>
-            <a:off x="977265" y="2874645"/>
-            <a:ext cx="448945" cy="339090"/>
+            <a:off x="926465" y="2874645"/>
+            <a:ext cx="499745" cy="339090"/>
           </a:xfrm>
           <a:prstGeom prst="rect">
             <a:avLst/>
@@ -4159,14 +4161,14 @@
           <a:p>
             <a:pPr algn="ctr"/>
             <a:r>
-              <a:rPr lang="" altLang="en-US" sz="800" b="1">
+              <a:rPr lang="en-US" altLang="en-US" sz="700" b="1">
                 <a:solidFill>
                   <a:srgbClr val="2C3E50"/>
                 </a:solidFill>
               </a:rPr>
               <a:t>local timer</a:t>
             </a:r>
-            <a:endParaRPr lang="" altLang="en-US" sz="800" b="1">
+            <a:endParaRPr lang="en-US" altLang="en-US" sz="700" b="1">
               <a:solidFill>
                 <a:srgbClr val="2C3E50"/>
               </a:solidFill>
@@ -4182,8 +4184,8 @@
         </p:nvSpPr>
         <p:spPr>
           <a:xfrm>
-            <a:off x="1522730" y="2874645"/>
-            <a:ext cx="448945" cy="339090"/>
+            <a:off x="1471930" y="2874645"/>
+            <a:ext cx="499745" cy="339090"/>
           </a:xfrm>
           <a:prstGeom prst="rect">
             <a:avLst/>
@@ -4227,14 +4229,14 @@
           <a:p>
             <a:pPr algn="ctr"/>
             <a:r>
-              <a:rPr lang="en-US" altLang="en-US" sz="800" b="1">
+              <a:rPr lang="en-US" altLang="en-US" sz="700" b="1">
                 <a:solidFill>
                   <a:srgbClr val="2C3E50"/>
                 </a:solidFill>
               </a:rPr>
               <a:t>local timer</a:t>
             </a:r>
-            <a:endParaRPr lang="en-US" altLang="en-US" sz="800" b="1">
+            <a:endParaRPr lang="en-US" altLang="en-US" sz="700" b="1">
               <a:solidFill>
                 <a:srgbClr val="2C3E50"/>
               </a:solidFill>
@@ -4250,8 +4252,8 @@
         </p:nvSpPr>
         <p:spPr>
           <a:xfrm>
-            <a:off x="2068195" y="2874645"/>
-            <a:ext cx="448945" cy="339090"/>
+            <a:off x="2017395" y="2874645"/>
+            <a:ext cx="499745" cy="339090"/>
           </a:xfrm>
           <a:prstGeom prst="rect">
             <a:avLst/>
@@ -4295,14 +4297,14 @@
           <a:p>
             <a:pPr algn="ctr"/>
             <a:r>
-              <a:rPr lang="en-US" altLang="en-US" sz="800" b="1">
+              <a:rPr lang="en-US" altLang="en-US" sz="700" b="1">
                 <a:solidFill>
                   <a:srgbClr val="2C3E50"/>
                 </a:solidFill>
               </a:rPr>
               <a:t>local timer</a:t>
             </a:r>
-            <a:endParaRPr lang="en-US" altLang="en-US" sz="800" b="1">
+            <a:endParaRPr lang="en-US" altLang="en-US" sz="700" b="1">
               <a:solidFill>
                 <a:srgbClr val="2C3E50"/>
               </a:solidFill>
@@ -4318,8 +4320,8 @@
         </p:nvSpPr>
         <p:spPr>
           <a:xfrm>
-            <a:off x="2613660" y="2874645"/>
-            <a:ext cx="448945" cy="339090"/>
+            <a:off x="2562860" y="2874645"/>
+            <a:ext cx="499745" cy="339090"/>
           </a:xfrm>
           <a:prstGeom prst="rect">
             <a:avLst/>
@@ -4363,14 +4365,14 @@
           <a:p>
             <a:pPr algn="ctr"/>
             <a:r>
-              <a:rPr lang="en-US" altLang="en-US" sz="800" b="1">
+              <a:rPr lang="en-US" altLang="en-US" sz="700" b="1">
                 <a:solidFill>
                   <a:srgbClr val="2C3E50"/>
                 </a:solidFill>
               </a:rPr>
               <a:t>local timer</a:t>
             </a:r>
-            <a:endParaRPr lang="en-US" altLang="en-US" sz="800" b="1">
+            <a:endParaRPr lang="en-US" altLang="en-US" sz="700" b="1">
               <a:solidFill>
                 <a:srgbClr val="2C3E50"/>
               </a:solidFill>
@@ -4386,8 +4388,8 @@
         </p:nvSpPr>
         <p:spPr>
           <a:xfrm>
-            <a:off x="3159125" y="2874645"/>
-            <a:ext cx="448945" cy="339090"/>
+            <a:off x="3108325" y="2874645"/>
+            <a:ext cx="499745" cy="339090"/>
           </a:xfrm>
           <a:prstGeom prst="rect">
             <a:avLst/>
@@ -4431,14 +4433,14 @@
           <a:p>
             <a:pPr algn="ctr"/>
             <a:r>
-              <a:rPr lang="en-US" altLang="en-US" sz="800" b="1">
+              <a:rPr lang="en-US" altLang="en-US" sz="700" b="1">
                 <a:solidFill>
                   <a:srgbClr val="2C3E50"/>
                 </a:solidFill>
               </a:rPr>
               <a:t>local timer</a:t>
             </a:r>
-            <a:endParaRPr lang="en-US" altLang="en-US" sz="800" b="1">
+            <a:endParaRPr lang="en-US" altLang="en-US" sz="700" b="1">
               <a:solidFill>
                 <a:srgbClr val="2C3E50"/>
               </a:solidFill>
@@ -4454,8 +4456,8 @@
         </p:nvSpPr>
         <p:spPr>
           <a:xfrm>
-            <a:off x="3704590" y="2874645"/>
-            <a:ext cx="448945" cy="339090"/>
+            <a:off x="3653790" y="2874645"/>
+            <a:ext cx="499745" cy="339090"/>
           </a:xfrm>
           <a:prstGeom prst="rect">
             <a:avLst/>
@@ -4499,14 +4501,14 @@
           <a:p>
             <a:pPr algn="ctr"/>
             <a:r>
-              <a:rPr lang="en-US" altLang="en-US" sz="800" b="1">
+              <a:rPr lang="en-US" altLang="en-US" sz="700" b="1">
                 <a:solidFill>
                   <a:srgbClr val="2C3E50"/>
                 </a:solidFill>
               </a:rPr>
               <a:t>local timer</a:t>
             </a:r>
-            <a:endParaRPr lang="en-US" altLang="en-US" sz="800" b="1">
+            <a:endParaRPr lang="en-US" altLang="en-US" sz="700" b="1">
               <a:solidFill>
                 <a:srgbClr val="2C3E50"/>
               </a:solidFill>
@@ -4522,8 +4524,8 @@
         </p:nvSpPr>
         <p:spPr>
           <a:xfrm>
-            <a:off x="4250055" y="2874645"/>
-            <a:ext cx="448945" cy="339090"/>
+            <a:off x="4199255" y="2874645"/>
+            <a:ext cx="499745" cy="339090"/>
           </a:xfrm>
           <a:prstGeom prst="rect">
             <a:avLst/>
@@ -4567,14 +4569,14 @@
           <a:p>
             <a:pPr algn="ctr"/>
             <a:r>
-              <a:rPr lang="en-US" altLang="en-US" sz="800" b="1">
+              <a:rPr lang="en-US" altLang="en-US" sz="700" b="1">
                 <a:solidFill>
                   <a:srgbClr val="2C3E50"/>
                 </a:solidFill>
               </a:rPr>
               <a:t>local timer</a:t>
             </a:r>
-            <a:endParaRPr lang="en-US" altLang="en-US" sz="800" b="1">
+            <a:endParaRPr lang="en-US" altLang="en-US" sz="700" b="1">
               <a:solidFill>
                 <a:srgbClr val="2C3E50"/>
               </a:solidFill>
@@ -4590,8 +4592,8 @@
         </p:nvSpPr>
         <p:spPr>
           <a:xfrm>
-            <a:off x="4795520" y="2874645"/>
-            <a:ext cx="448945" cy="339090"/>
+            <a:off x="4744720" y="2874645"/>
+            <a:ext cx="499745" cy="339090"/>
           </a:xfrm>
           <a:prstGeom prst="rect">
             <a:avLst/>
@@ -4635,14 +4637,14 @@
           <a:p>
             <a:pPr algn="ctr"/>
             <a:r>
-              <a:rPr lang="en-US" altLang="en-US" sz="800" b="1">
+              <a:rPr lang="en-US" altLang="en-US" sz="700" b="1">
                 <a:solidFill>
                   <a:srgbClr val="2C3E50"/>
                 </a:solidFill>
               </a:rPr>
               <a:t>local timer</a:t>
             </a:r>
-            <a:endParaRPr lang="en-US" altLang="en-US" sz="800" b="1">
+            <a:endParaRPr lang="en-US" altLang="en-US" sz="700" b="1">
               <a:solidFill>
                 <a:srgbClr val="2C3E50"/>
               </a:solidFill>
@@ -4658,8 +4660,8 @@
         </p:nvSpPr>
         <p:spPr>
           <a:xfrm>
-            <a:off x="5340985" y="2874645"/>
-            <a:ext cx="448945" cy="339090"/>
+            <a:off x="5290185" y="2874645"/>
+            <a:ext cx="499745" cy="339090"/>
           </a:xfrm>
           <a:prstGeom prst="rect">
             <a:avLst/>
@@ -4703,14 +4705,14 @@
           <a:p>
             <a:pPr algn="ctr"/>
             <a:r>
-              <a:rPr lang="en-US" altLang="en-US" sz="800" b="1">
+              <a:rPr lang="en-US" altLang="en-US" sz="700" b="1">
                 <a:solidFill>
                   <a:srgbClr val="2C3E50"/>
                 </a:solidFill>
               </a:rPr>
               <a:t>local timer</a:t>
             </a:r>
-            <a:endParaRPr lang="en-US" altLang="en-US" sz="800" b="1">
+            <a:endParaRPr lang="en-US" altLang="en-US" sz="700" b="1">
               <a:solidFill>
                 <a:srgbClr val="2C3E50"/>
               </a:solidFill>
@@ -4764,20 +4766,12 @@
           <a:p>
             <a:pPr algn="ctr"/>
             <a:r>
-              <a:rPr lang="" altLang="en-US" sz="800" b="1">
+              <a:rPr lang="en-US" altLang="en-US" sz="800" b="1">
                 <a:solidFill>
                   <a:srgbClr val="2C3E50"/>
                 </a:solidFill>
               </a:rPr>
-              <a:t>G</a:t>
-            </a:r>
-            <a:r>
-              <a:rPr lang="en-US" altLang="en-US" sz="800" b="1">
-                <a:solidFill>
-                  <a:srgbClr val="2C3E50"/>
-                </a:solidFill>
-              </a:rPr>
-              <a:t>ocal timer</a:t>
+              <a:t>Gocal timer</a:t>
             </a:r>
             <a:endParaRPr lang="en-US" altLang="en-US" sz="800" b="1">
               <a:solidFill>
@@ -4798,8 +4792,8 @@
         </p:nvCxnSpPr>
         <p:spPr>
           <a:xfrm rot="10800000">
-            <a:off x="1202055" y="3213100"/>
-            <a:ext cx="165100" cy="587375"/>
+            <a:off x="1176655" y="3213735"/>
+            <a:ext cx="190500" cy="587375"/>
           </a:xfrm>
           <a:prstGeom prst="bentConnector2">
             <a:avLst/>
@@ -4836,8 +4830,8 @@
           <p:nvPr/>
         </p:nvCxnSpPr>
         <p:spPr>
-          <a:xfrm flipV="1">
-            <a:off x="1189990" y="3213735"/>
+          <a:xfrm flipV="true">
+            <a:off x="1164590" y="3213735"/>
             <a:ext cx="557530" cy="238760"/>
           </a:xfrm>
           <a:prstGeom prst="bentConnector2">
@@ -4875,8 +4869,8 @@
           <p:nvPr/>
         </p:nvCxnSpPr>
         <p:spPr>
-          <a:xfrm flipV="1">
-            <a:off x="1757045" y="3213735"/>
+          <a:xfrm flipV="true">
+            <a:off x="1731645" y="3213735"/>
             <a:ext cx="535940" cy="234315"/>
           </a:xfrm>
           <a:prstGeom prst="bentConnector2">
@@ -4914,8 +4908,8 @@
           <p:nvPr/>
         </p:nvCxnSpPr>
         <p:spPr>
-          <a:xfrm flipV="1">
-            <a:off x="2290445" y="3213735"/>
+          <a:xfrm flipV="true">
+            <a:off x="2265045" y="3213735"/>
             <a:ext cx="548005" cy="238760"/>
           </a:xfrm>
           <a:prstGeom prst="bentConnector2">
@@ -4953,8 +4947,8 @@
           <p:nvPr/>
         </p:nvCxnSpPr>
         <p:spPr>
-          <a:xfrm flipV="1">
-            <a:off x="2828290" y="3213735"/>
+          <a:xfrm flipV="true">
+            <a:off x="2802890" y="3213735"/>
             <a:ext cx="555625" cy="238760"/>
           </a:xfrm>
           <a:prstGeom prst="bentConnector2">
@@ -4992,8 +4986,8 @@
           <p:nvPr/>
         </p:nvCxnSpPr>
         <p:spPr>
-          <a:xfrm flipV="1">
-            <a:off x="3380740" y="3213735"/>
+          <a:xfrm flipV="true">
+            <a:off x="3355340" y="3213735"/>
             <a:ext cx="548640" cy="238760"/>
           </a:xfrm>
           <a:prstGeom prst="bentConnector2">
@@ -5031,8 +5025,8 @@
           <p:nvPr/>
         </p:nvCxnSpPr>
         <p:spPr>
-          <a:xfrm flipV="1">
-            <a:off x="3938270" y="3213735"/>
+          <a:xfrm flipV="true">
+            <a:off x="3912870" y="3213735"/>
             <a:ext cx="536575" cy="238760"/>
           </a:xfrm>
           <a:prstGeom prst="bentConnector2">
@@ -5070,8 +5064,8 @@
           <p:nvPr/>
         </p:nvCxnSpPr>
         <p:spPr>
-          <a:xfrm flipV="1">
-            <a:off x="4466590" y="3213735"/>
+          <a:xfrm flipV="true">
+            <a:off x="4441190" y="3213735"/>
             <a:ext cx="553720" cy="234315"/>
           </a:xfrm>
           <a:prstGeom prst="bentConnector2">
@@ -5109,8 +5103,8 @@
           <p:nvPr/>
         </p:nvCxnSpPr>
         <p:spPr>
-          <a:xfrm flipV="1">
-            <a:off x="5009515" y="3213735"/>
+          <a:xfrm flipV="true">
+            <a:off x="4984115" y="3213735"/>
             <a:ext cx="556260" cy="234315"/>
           </a:xfrm>
           <a:prstGeom prst="bentConnector2">
@@ -5148,7 +5142,7 @@
           <p:nvPr/>
         </p:nvCxnSpPr>
         <p:spPr>
-          <a:xfrm flipV="1">
+          <a:xfrm flipV="true">
             <a:off x="5567045" y="3213735"/>
             <a:ext cx="670560" cy="234315"/>
           </a:xfrm>
@@ -5185,7 +5179,7 @@
           <p:nvPr/>
         </p:nvCxnSpPr>
         <p:spPr>
-          <a:xfrm flipV="1">
+          <a:xfrm flipV="true">
             <a:off x="1187450" y="1695450"/>
             <a:ext cx="2540" cy="1188720"/>
           </a:xfrm>
@@ -5221,7 +5215,7 @@
           <p:nvPr/>
         </p:nvCxnSpPr>
         <p:spPr>
-          <a:xfrm flipV="1">
+          <a:xfrm flipV="true">
             <a:off x="1757045" y="1685925"/>
             <a:ext cx="2540" cy="1188720"/>
           </a:xfrm>
@@ -5257,7 +5251,7 @@
           <p:nvPr/>
         </p:nvCxnSpPr>
         <p:spPr>
-          <a:xfrm flipV="1">
+          <a:xfrm flipV="true">
             <a:off x="2384425" y="1685925"/>
             <a:ext cx="2540" cy="1188720"/>
           </a:xfrm>
@@ -5266,7 +5260,7 @@
           </a:prstGeom>
           <a:ln>
             <a:solidFill>
-              <a:srgbClr val="2C3E50"/>
+              <a:srgbClr val="3EAF7C"/>
             </a:solidFill>
             <a:tailEnd type="arrow" w="med" len="med"/>
           </a:ln>
@@ -5293,7 +5287,7 @@
           <p:nvPr/>
         </p:nvCxnSpPr>
         <p:spPr>
-          <a:xfrm flipV="1">
+          <a:xfrm flipV="true">
             <a:off x="3300730" y="1685925"/>
             <a:ext cx="2540" cy="1188720"/>
           </a:xfrm>
@@ -5329,7 +5323,7 @@
           <p:nvPr/>
         </p:nvCxnSpPr>
         <p:spPr>
-          <a:xfrm flipV="1">
+          <a:xfrm flipV="true">
             <a:off x="3926840" y="1674495"/>
             <a:ext cx="2540" cy="1188720"/>
           </a:xfrm>
@@ -5365,7 +5359,7 @@
           <p:nvPr/>
         </p:nvCxnSpPr>
         <p:spPr>
-          <a:xfrm flipV="1">
+          <a:xfrm flipV="true">
             <a:off x="4505325" y="1685925"/>
             <a:ext cx="2540" cy="1188720"/>
           </a:xfrm>
@@ -5401,7 +5395,7 @@
           <p:nvPr/>
         </p:nvCxnSpPr>
         <p:spPr>
-          <a:xfrm flipV="1">
+          <a:xfrm flipV="true">
             <a:off x="5739130" y="1674495"/>
             <a:ext cx="2540" cy="1188720"/>
           </a:xfrm>
@@ -5410,7 +5404,7 @@
           </a:prstGeom>
           <a:ln>
             <a:solidFill>
-              <a:srgbClr val="2C3E50"/>
+              <a:srgbClr val="3EAF7C"/>
             </a:solidFill>
             <a:tailEnd type="arrow" w="med" len="med"/>
           </a:ln>
@@ -5437,7 +5431,7 @@
           <p:nvPr/>
         </p:nvCxnSpPr>
         <p:spPr>
-          <a:xfrm flipV="1">
+          <a:xfrm flipV="true">
             <a:off x="5103495" y="1685925"/>
             <a:ext cx="2540" cy="1188720"/>
           </a:xfrm>
@@ -5473,7 +5467,7 @@
           <p:nvPr/>
         </p:nvCxnSpPr>
         <p:spPr>
-          <a:xfrm rot="16200000" flipV="1">
+          <a:xfrm rot="16200000" flipV="true">
             <a:off x="4944745" y="2073910"/>
             <a:ext cx="1171575" cy="414655"/>
           </a:xfrm>
@@ -5484,7 +5478,7 @@
           </a:prstGeom>
           <a:ln>
             <a:solidFill>
-              <a:srgbClr val="2C3E50"/>
+              <a:srgbClr val="3EAF7C"/>
             </a:solidFill>
             <a:tailEnd type="arrow" w="med" len="med"/>
           </a:ln>
@@ -5513,8 +5507,8 @@
           <p:nvPr/>
         </p:nvCxnSpPr>
         <p:spPr>
-          <a:xfrm rot="16200000" flipV="1">
-            <a:off x="2157730" y="2160905"/>
+          <a:xfrm rot="16200000" flipV="true">
+            <a:off x="2099310" y="2160905"/>
             <a:ext cx="1193800" cy="233680"/>
           </a:xfrm>
           <a:prstGeom prst="bentConnector3">
@@ -5524,7 +5518,7 @@
           </a:prstGeom>
           <a:ln>
             <a:solidFill>
-              <a:srgbClr val="2C3E50"/>
+              <a:srgbClr val="3EAF7C"/>
             </a:solidFill>
             <a:tailEnd type="arrow" w="med" len="med"/>
           </a:ln>
@@ -5554,7 +5548,7 @@
           <p:nvPr/>
         </p:nvCxnSpPr>
         <p:spPr>
-          <a:xfrm rot="16200000" flipV="1">
+          <a:xfrm rot="16200000" flipV="true">
             <a:off x="5279708" y="1916748"/>
             <a:ext cx="1538605" cy="377190"/>
           </a:xfrm>
@@ -5595,7 +5589,7 @@
           <p:nvPr/>
         </p:nvCxnSpPr>
         <p:spPr>
-          <a:xfrm rot="10800000" flipV="1">
+          <a:xfrm rot="10800000" flipV="true">
             <a:off x="1122045" y="1099820"/>
             <a:ext cx="4740275" cy="236220"/>
           </a:xfrm>
@@ -5634,7 +5628,7 @@
           <p:nvPr/>
         </p:nvCxnSpPr>
         <p:spPr>
-          <a:xfrm flipH="1">
+          <a:xfrm flipH="true">
             <a:off x="1798955" y="1132840"/>
             <a:ext cx="635" cy="236220"/>
           </a:xfrm>
@@ -5671,7 +5665,7 @@
           <p:nvPr/>
         </p:nvCxnSpPr>
         <p:spPr>
-          <a:xfrm flipH="1">
+          <a:xfrm flipH="true">
             <a:off x="2475865" y="1099820"/>
             <a:ext cx="635" cy="236220"/>
           </a:xfrm>
@@ -5708,7 +5702,7 @@
           <p:nvPr/>
         </p:nvCxnSpPr>
         <p:spPr>
-          <a:xfrm flipH="1">
+          <a:xfrm flipH="true">
             <a:off x="3152775" y="1099820"/>
             <a:ext cx="635" cy="236220"/>
           </a:xfrm>
@@ -5745,7 +5739,7 @@
           <p:nvPr/>
         </p:nvCxnSpPr>
         <p:spPr>
-          <a:xfrm flipH="1">
+          <a:xfrm flipH="true">
             <a:off x="3829050" y="1099820"/>
             <a:ext cx="635" cy="236220"/>
           </a:xfrm>
@@ -5782,7 +5776,7 @@
           <p:nvPr/>
         </p:nvCxnSpPr>
         <p:spPr>
-          <a:xfrm flipH="1">
+          <a:xfrm flipH="true">
             <a:off x="4507865" y="1099820"/>
             <a:ext cx="635" cy="236220"/>
           </a:xfrm>
@@ -5819,7 +5813,7 @@
           <p:nvPr/>
         </p:nvCxnSpPr>
         <p:spPr>
-          <a:xfrm flipH="1">
+          <a:xfrm flipH="true">
             <a:off x="5182870" y="1099820"/>
             <a:ext cx="635" cy="236220"/>
           </a:xfrm>
@@ -5962,7 +5956,7 @@
       <p:sp>
         <p:nvSpPr>
           <p:cNvPr id="82" name="文本框 81"/>
-          <p:cNvSpPr txBox="1"/>
+          <p:cNvSpPr txBox="true"/>
           <p:nvPr/>
         </p:nvSpPr>
         <p:spPr>
@@ -5981,24 +5975,24 @@
           </a:bodyPr>
           <a:p>
             <a:r>
-              <a:rPr lang="" altLang="zh-CN" sz="800"/>
+              <a:rPr lang="en-US" altLang="zh-CN" sz="800"/>
               <a:t>服务关系，一个local timer可以服务于一个CPU，也可以服务多个CPU，一个CPU</a:t>
             </a:r>
-            <a:endParaRPr lang="" altLang="zh-CN" sz="800"/>
-          </a:p>
-          <a:p>
-            <a:r>
-              <a:rPr lang="" altLang="zh-CN" sz="800"/>
+            <a:endParaRPr lang="en-US" altLang="zh-CN" sz="800"/>
+          </a:p>
+          <a:p>
+            <a:r>
+              <a:rPr lang="en-US" altLang="zh-CN" sz="800"/>
               <a:t>可以拥有多个 local timer。但是它只会选最好的local timer作为他的timer。</a:t>
             </a:r>
-            <a:endParaRPr lang="" altLang="zh-CN" sz="800"/>
+            <a:endParaRPr lang="en-US" altLang="zh-CN" sz="800"/>
           </a:p>
         </p:txBody>
       </p:sp>
       <p:sp>
         <p:nvSpPr>
           <p:cNvPr id="83" name="文本框 82"/>
-          <p:cNvSpPr txBox="1"/>
+          <p:cNvSpPr txBox="true"/>
           <p:nvPr/>
         </p:nvSpPr>
         <p:spPr>
@@ -6017,17 +6011,17 @@
           </a:bodyPr>
           <a:p>
             <a:r>
-              <a:rPr lang="" altLang="zh-CN" sz="800"/>
+              <a:rPr lang="en-US" altLang="zh-CN" sz="800"/>
               <a:t>服务于全体CPU，但是不属于任何一个CPU，它是在CPU进入深度睡眠后，负责唤醒CPU</a:t>
             </a:r>
-            <a:endParaRPr lang="" altLang="zh-CN" sz="800"/>
+            <a:endParaRPr lang="en-US" altLang="zh-CN" sz="800"/>
           </a:p>
         </p:txBody>
       </p:sp>
       <p:sp>
         <p:nvSpPr>
           <p:cNvPr id="84" name="文本框 83"/>
-          <p:cNvSpPr txBox="1"/>
+          <p:cNvSpPr txBox="true"/>
           <p:nvPr/>
         </p:nvSpPr>
         <p:spPr>
@@ -6046,10 +6040,3029 @@
           </a:bodyPr>
           <a:p>
             <a:r>
-              <a:rPr lang="" altLang="zh-CN" sz="800"/>
+              <a:rPr lang="en-US" altLang="zh-CN" sz="800"/>
               <a:t>服务于全体timer，提供时钟源</a:t>
             </a:r>
-            <a:endParaRPr lang="" altLang="zh-CN" sz="800"/>
+            <a:endParaRPr lang="en-US" altLang="zh-CN" sz="800"/>
+          </a:p>
+        </p:txBody>
+      </p:sp>
+    </p:spTree>
+  </p:cSld>
+  <p:clrMapOvr>
+    <a:masterClrMapping/>
+  </p:clrMapOvr>
+</p:sld>
+</file>
+
+<file path=ppt/slides/slide2.xml><?xml version="1.0" encoding="utf-8"?>
+<p:sld xmlns:a="http://schemas.openxmlformats.org/drawingml/2006/main" xmlns:r="http://schemas.openxmlformats.org/officeDocument/2006/relationships" xmlns:p="http://schemas.openxmlformats.org/presentationml/2006/main">
+  <p:cSld>
+    <p:spTree>
+      <p:nvGrpSpPr>
+        <p:cNvPr id="1" name=""/>
+        <p:cNvGrpSpPr/>
+        <p:nvPr/>
+      </p:nvGrpSpPr>
+      <p:grpSpPr/>
+      <p:sp>
+        <p:nvSpPr>
+          <p:cNvPr id="2" name="Flowchart: Process 1"/>
+          <p:cNvSpPr/>
+          <p:nvPr/>
+        </p:nvSpPr>
+        <p:spPr>
+          <a:xfrm>
+            <a:off x="1354455" y="8722360"/>
+            <a:ext cx="1346200" cy="569595"/>
+          </a:xfrm>
+          <a:prstGeom prst="flowChartProcess">
+            <a:avLst/>
+          </a:prstGeom>
+          <a:noFill/>
+          <a:ln w="38100">
+            <a:solidFill>
+              <a:srgbClr val="2C3E50"/>
+            </a:solidFill>
+          </a:ln>
+          <a:extLst>
+            <a:ext uri="{909E8E84-426E-40DD-AFC4-6F175D3DCCD1}">
+              <a14:hiddenFill xmlns:a14="http://schemas.microsoft.com/office/drawing/2010/main">
+                <a:solidFill>
+                  <a:schemeClr val="accent2"/>
+                </a:solidFill>
+              </a14:hiddenFill>
+            </a:ext>
+          </a:extLst>
+        </p:spPr>
+        <p:style>
+          <a:lnRef idx="2">
+            <a:schemeClr val="accent1">
+              <a:shade val="50000"/>
+            </a:schemeClr>
+          </a:lnRef>
+          <a:fillRef idx="1">
+            <a:schemeClr val="accent1"/>
+          </a:fillRef>
+          <a:effectRef idx="0">
+            <a:schemeClr val="accent1"/>
+          </a:effectRef>
+          <a:fontRef idx="minor">
+            <a:schemeClr val="lt1"/>
+          </a:fontRef>
+        </p:style>
+        <p:txBody>
+          <a:bodyPr rtlCol="0" anchor="ctr"/>
+          <a:p>
+            <a:pPr algn="ctr"/>
+            <a:r>
+              <a:rPr lang="" altLang="en-US" sz="1400" b="1">
+                <a:solidFill>
+                  <a:srgbClr val="2C3E50"/>
+                </a:solidFill>
+              </a:rPr>
+              <a:t>CPU</a:t>
+            </a:r>
+            <a:endParaRPr lang="" altLang="en-US" sz="1400" b="1">
+              <a:solidFill>
+                <a:srgbClr val="2C3E50"/>
+              </a:solidFill>
+            </a:endParaRPr>
+          </a:p>
+          <a:p>
+            <a:pPr algn="ctr"/>
+            <a:r>
+              <a:rPr lang="" altLang="en-US" sz="1400" b="1">
+                <a:solidFill>
+                  <a:srgbClr val="2C3E50"/>
+                </a:solidFill>
+              </a:rPr>
+              <a:t>local timer</a:t>
+            </a:r>
+            <a:endParaRPr lang="" altLang="en-US" sz="1400" b="1">
+              <a:solidFill>
+                <a:srgbClr val="2C3E50"/>
+              </a:solidFill>
+            </a:endParaRPr>
+          </a:p>
+        </p:txBody>
+      </p:sp>
+      <p:sp>
+        <p:nvSpPr>
+          <p:cNvPr id="3" name="Flowchart: Process 2"/>
+          <p:cNvSpPr/>
+          <p:nvPr/>
+        </p:nvSpPr>
+        <p:spPr>
+          <a:xfrm>
+            <a:off x="2929890" y="8722360"/>
+            <a:ext cx="1346200" cy="569595"/>
+          </a:xfrm>
+          <a:prstGeom prst="flowChartProcess">
+            <a:avLst/>
+          </a:prstGeom>
+          <a:noFill/>
+          <a:ln w="38100">
+            <a:solidFill>
+              <a:srgbClr val="2C3E50"/>
+            </a:solidFill>
+          </a:ln>
+          <a:extLst>
+            <a:ext uri="{909E8E84-426E-40DD-AFC4-6F175D3DCCD1}">
+              <a14:hiddenFill xmlns:a14="http://schemas.microsoft.com/office/drawing/2010/main">
+                <a:solidFill>
+                  <a:schemeClr val="accent2"/>
+                </a:solidFill>
+              </a14:hiddenFill>
+            </a:ext>
+          </a:extLst>
+        </p:spPr>
+        <p:style>
+          <a:lnRef idx="2">
+            <a:schemeClr val="accent1">
+              <a:shade val="50000"/>
+            </a:schemeClr>
+          </a:lnRef>
+          <a:fillRef idx="1">
+            <a:schemeClr val="accent1"/>
+          </a:fillRef>
+          <a:effectRef idx="0">
+            <a:schemeClr val="accent1"/>
+          </a:effectRef>
+          <a:fontRef idx="minor">
+            <a:schemeClr val="lt1"/>
+          </a:fontRef>
+        </p:style>
+        <p:txBody>
+          <a:bodyPr rtlCol="0" anchor="ctr"/>
+          <a:p>
+            <a:pPr algn="ctr"/>
+            <a:r>
+              <a:rPr lang="en-US" altLang="en-US" sz="1400" b="1">
+                <a:solidFill>
+                  <a:srgbClr val="2C3E50"/>
+                </a:solidFill>
+              </a:rPr>
+              <a:t>CPU</a:t>
+            </a:r>
+            <a:endParaRPr lang="en-US" altLang="en-US" sz="1400" b="1">
+              <a:solidFill>
+                <a:srgbClr val="2C3E50"/>
+              </a:solidFill>
+            </a:endParaRPr>
+          </a:p>
+          <a:p>
+            <a:pPr algn="ctr"/>
+            <a:r>
+              <a:rPr lang="en-US" altLang="en-US" sz="1400" b="1">
+                <a:solidFill>
+                  <a:srgbClr val="2C3E50"/>
+                </a:solidFill>
+              </a:rPr>
+              <a:t>local timer</a:t>
+            </a:r>
+            <a:endParaRPr lang="en-US" altLang="en-US" sz="1400" b="1">
+              <a:solidFill>
+                <a:srgbClr val="2C3E50"/>
+              </a:solidFill>
+            </a:endParaRPr>
+          </a:p>
+        </p:txBody>
+      </p:sp>
+      <p:sp>
+        <p:nvSpPr>
+          <p:cNvPr id="5" name="Text Box 4"/>
+          <p:cNvSpPr txBox="true"/>
+          <p:nvPr/>
+        </p:nvSpPr>
+        <p:spPr>
+          <a:xfrm>
+            <a:off x="4522470" y="8722360"/>
+            <a:ext cx="318770" cy="306705"/>
+          </a:xfrm>
+          <a:prstGeom prst="rect">
+            <a:avLst/>
+          </a:prstGeom>
+          <a:noFill/>
+        </p:spPr>
+        <p:txBody>
+          <a:bodyPr wrap="square" rtlCol="0">
+            <a:spAutoFit/>
+          </a:bodyPr>
+          <a:p>
+            <a:r>
+              <a:rPr lang="" altLang="en-US" sz="1400" b="1">
+                <a:solidFill>
+                  <a:srgbClr val="3EAF7C"/>
+                </a:solidFill>
+              </a:rPr>
+              <a:t>...</a:t>
+            </a:r>
+            <a:endParaRPr lang="" altLang="en-US" sz="1400" b="1">
+              <a:solidFill>
+                <a:srgbClr val="3EAF7C"/>
+              </a:solidFill>
+            </a:endParaRPr>
+          </a:p>
+        </p:txBody>
+      </p:sp>
+      <p:cxnSp>
+        <p:nvCxnSpPr>
+          <p:cNvPr id="6" name="Straight Connector 5"/>
+          <p:cNvCxnSpPr/>
+          <p:nvPr/>
+        </p:nvCxnSpPr>
+        <p:spPr>
+          <a:xfrm flipV="true">
+            <a:off x="187325" y="8265160"/>
+            <a:ext cx="6245860" cy="33655"/>
+          </a:xfrm>
+          <a:prstGeom prst="line">
+            <a:avLst/>
+          </a:prstGeom>
+          <a:ln w="28575">
+            <a:solidFill>
+              <a:srgbClr val="3EAF7C"/>
+            </a:solidFill>
+            <a:prstDash val="sysDash"/>
+          </a:ln>
+        </p:spPr>
+        <p:style>
+          <a:lnRef idx="1">
+            <a:schemeClr val="accent1"/>
+          </a:lnRef>
+          <a:fillRef idx="0">
+            <a:schemeClr val="accent1"/>
+          </a:fillRef>
+          <a:effectRef idx="0">
+            <a:schemeClr val="accent1"/>
+          </a:effectRef>
+          <a:fontRef idx="minor">
+            <a:schemeClr val="tx1"/>
+          </a:fontRef>
+        </p:style>
+      </p:cxnSp>
+      <p:sp>
+        <p:nvSpPr>
+          <p:cNvPr id="7" name="Text Box 6"/>
+          <p:cNvSpPr txBox="true"/>
+          <p:nvPr/>
+        </p:nvSpPr>
+        <p:spPr>
+          <a:xfrm>
+            <a:off x="187325" y="8446770"/>
+            <a:ext cx="1000760" cy="275590"/>
+          </a:xfrm>
+          <a:prstGeom prst="rect">
+            <a:avLst/>
+          </a:prstGeom>
+          <a:noFill/>
+        </p:spPr>
+        <p:txBody>
+          <a:bodyPr wrap="none" rtlCol="0">
+            <a:spAutoFit/>
+          </a:bodyPr>
+          <a:p>
+            <a:r>
+              <a:rPr lang="" altLang="zh-CN" sz="1200" b="1">
+                <a:solidFill>
+                  <a:srgbClr val="2C3E50"/>
+                </a:solidFill>
+              </a:rPr>
+              <a:t>hardware</a:t>
+            </a:r>
+            <a:endParaRPr lang="" altLang="zh-CN" sz="1200" b="1">
+              <a:solidFill>
+                <a:srgbClr val="2C3E50"/>
+              </a:solidFill>
+            </a:endParaRPr>
+          </a:p>
+        </p:txBody>
+      </p:sp>
+      <p:sp>
+        <p:nvSpPr>
+          <p:cNvPr id="8" name="Flowchart: Process 7"/>
+          <p:cNvSpPr/>
+          <p:nvPr/>
+        </p:nvSpPr>
+        <p:spPr>
+          <a:xfrm>
+            <a:off x="1353820" y="3926840"/>
+            <a:ext cx="1346200" cy="493395"/>
+          </a:xfrm>
+          <a:prstGeom prst="flowChartProcess">
+            <a:avLst/>
+          </a:prstGeom>
+          <a:noFill/>
+          <a:ln w="38100">
+            <a:solidFill>
+              <a:srgbClr val="2C3E50"/>
+            </a:solidFill>
+          </a:ln>
+          <a:extLst>
+            <a:ext uri="{909E8E84-426E-40DD-AFC4-6F175D3DCCD1}">
+              <a14:hiddenFill xmlns:a14="http://schemas.microsoft.com/office/drawing/2010/main">
+                <a:solidFill>
+                  <a:schemeClr val="accent2"/>
+                </a:solidFill>
+              </a14:hiddenFill>
+            </a:ext>
+          </a:extLst>
+        </p:spPr>
+        <p:style>
+          <a:lnRef idx="2">
+            <a:schemeClr val="accent1">
+              <a:shade val="50000"/>
+            </a:schemeClr>
+          </a:lnRef>
+          <a:fillRef idx="1">
+            <a:schemeClr val="accent1"/>
+          </a:fillRef>
+          <a:effectRef idx="0">
+            <a:schemeClr val="accent1"/>
+          </a:effectRef>
+          <a:fontRef idx="minor">
+            <a:schemeClr val="lt1"/>
+          </a:fontRef>
+        </p:style>
+        <p:txBody>
+          <a:bodyPr rtlCol="0" anchor="ctr"/>
+          <a:p>
+            <a:pPr algn="ctr"/>
+            <a:r>
+              <a:rPr lang="" altLang="en-US" sz="1400" b="1">
+                <a:solidFill>
+                  <a:srgbClr val="2C3E50"/>
+                </a:solidFill>
+              </a:rPr>
+              <a:t>tick device</a:t>
+            </a:r>
+            <a:endParaRPr lang="" altLang="en-US" sz="1400" b="1">
+              <a:solidFill>
+                <a:srgbClr val="2C3E50"/>
+              </a:solidFill>
+            </a:endParaRPr>
+          </a:p>
+        </p:txBody>
+      </p:sp>
+      <p:sp>
+        <p:nvSpPr>
+          <p:cNvPr id="9" name="Flowchart: Process 8"/>
+          <p:cNvSpPr/>
+          <p:nvPr/>
+        </p:nvSpPr>
+        <p:spPr>
+          <a:xfrm>
+            <a:off x="1353820" y="7303770"/>
+            <a:ext cx="5027930" cy="518795"/>
+          </a:xfrm>
+          <a:prstGeom prst="flowChartProcess">
+            <a:avLst/>
+          </a:prstGeom>
+          <a:noFill/>
+          <a:ln w="38100">
+            <a:solidFill>
+              <a:srgbClr val="2C3E50"/>
+            </a:solidFill>
+          </a:ln>
+          <a:extLst>
+            <a:ext uri="{909E8E84-426E-40DD-AFC4-6F175D3DCCD1}">
+              <a14:hiddenFill xmlns:a14="http://schemas.microsoft.com/office/drawing/2010/main">
+                <a:solidFill>
+                  <a:schemeClr val="accent2"/>
+                </a:solidFill>
+              </a14:hiddenFill>
+            </a:ext>
+          </a:extLst>
+        </p:spPr>
+        <p:style>
+          <a:lnRef idx="2">
+            <a:schemeClr val="accent1">
+              <a:shade val="50000"/>
+            </a:schemeClr>
+          </a:lnRef>
+          <a:fillRef idx="1">
+            <a:schemeClr val="accent1"/>
+          </a:fillRef>
+          <a:effectRef idx="0">
+            <a:schemeClr val="accent1"/>
+          </a:effectRef>
+          <a:fontRef idx="minor">
+            <a:schemeClr val="lt1"/>
+          </a:fontRef>
+        </p:style>
+        <p:txBody>
+          <a:bodyPr rtlCol="0" anchor="ctr"/>
+          <a:p>
+            <a:pPr algn="ctr"/>
+            <a:r>
+              <a:rPr lang="" altLang="zh-CN" sz="1400" b="1">
+                <a:solidFill>
+                  <a:srgbClr val="2C3E50"/>
+                </a:solidFill>
+              </a:rPr>
+              <a:t>timer deriver</a:t>
+            </a:r>
+            <a:endParaRPr lang="" altLang="zh-CN" sz="1400" b="1">
+              <a:solidFill>
+                <a:srgbClr val="2C3E50"/>
+              </a:solidFill>
+            </a:endParaRPr>
+          </a:p>
+        </p:txBody>
+      </p:sp>
+      <p:sp>
+        <p:nvSpPr>
+          <p:cNvPr id="10" name="Flowchart: Process 9"/>
+          <p:cNvSpPr/>
+          <p:nvPr/>
+        </p:nvSpPr>
+        <p:spPr>
+          <a:xfrm>
+            <a:off x="1354455" y="5487035"/>
+            <a:ext cx="5026660" cy="434340"/>
+          </a:xfrm>
+          <a:prstGeom prst="flowChartProcess">
+            <a:avLst/>
+          </a:prstGeom>
+          <a:noFill/>
+          <a:ln w="38100">
+            <a:solidFill>
+              <a:srgbClr val="2C3E50"/>
+            </a:solidFill>
+          </a:ln>
+          <a:extLst>
+            <a:ext uri="{909E8E84-426E-40DD-AFC4-6F175D3DCCD1}">
+              <a14:hiddenFill xmlns:a14="http://schemas.microsoft.com/office/drawing/2010/main">
+                <a:solidFill>
+                  <a:schemeClr val="accent2"/>
+                </a:solidFill>
+              </a14:hiddenFill>
+            </a:ext>
+          </a:extLst>
+        </p:spPr>
+        <p:style>
+          <a:lnRef idx="2">
+            <a:schemeClr val="accent1">
+              <a:shade val="50000"/>
+            </a:schemeClr>
+          </a:lnRef>
+          <a:fillRef idx="1">
+            <a:schemeClr val="accent1"/>
+          </a:fillRef>
+          <a:effectRef idx="0">
+            <a:schemeClr val="accent1"/>
+          </a:effectRef>
+          <a:fontRef idx="minor">
+            <a:schemeClr val="lt1"/>
+          </a:fontRef>
+        </p:style>
+        <p:txBody>
+          <a:bodyPr rtlCol="0" anchor="ctr"/>
+          <a:p>
+            <a:pPr algn="ctr"/>
+            <a:r>
+              <a:rPr lang="" altLang="en-US" sz="1400" b="1">
+                <a:solidFill>
+                  <a:srgbClr val="2C3E50"/>
+                </a:solidFill>
+              </a:rPr>
+              <a:t>Clock event </a:t>
+            </a:r>
+            <a:endParaRPr lang="zh-CN" altLang="" sz="1400" b="1">
+              <a:solidFill>
+                <a:srgbClr val="2C3E50"/>
+              </a:solidFill>
+            </a:endParaRPr>
+          </a:p>
+        </p:txBody>
+      </p:sp>
+      <p:sp>
+        <p:nvSpPr>
+          <p:cNvPr id="11" name="Text Box 10"/>
+          <p:cNvSpPr txBox="true"/>
+          <p:nvPr/>
+        </p:nvSpPr>
+        <p:spPr>
+          <a:xfrm>
+            <a:off x="1624965" y="6474460"/>
+            <a:ext cx="1942465" cy="275590"/>
+          </a:xfrm>
+          <a:prstGeom prst="rect">
+            <a:avLst/>
+          </a:prstGeom>
+          <a:noFill/>
+        </p:spPr>
+        <p:txBody>
+          <a:bodyPr wrap="none" rtlCol="0">
+            <a:spAutoFit/>
+          </a:bodyPr>
+          <a:p>
+            <a:pPr algn="l"/>
+            <a:r>
+              <a:rPr lang="en-US" sz="1200" b="1">
+                <a:solidFill>
+                  <a:srgbClr val="2C3E50"/>
+                </a:solidFill>
+              </a:rPr>
+              <a:t>clockevents_config</a:t>
+            </a:r>
+            <a:r>
+              <a:rPr lang="" altLang="en-US" sz="1200" b="1">
+                <a:solidFill>
+                  <a:srgbClr val="2C3E50"/>
+                </a:solidFill>
+              </a:rPr>
+              <a:t>()</a:t>
+            </a:r>
+            <a:endParaRPr lang="" altLang="en-US" sz="1200" b="1">
+              <a:solidFill>
+                <a:srgbClr val="2C3E50"/>
+              </a:solidFill>
+            </a:endParaRPr>
+          </a:p>
+        </p:txBody>
+      </p:sp>
+      <p:sp>
+        <p:nvSpPr>
+          <p:cNvPr id="12" name="Text Box 11"/>
+          <p:cNvSpPr txBox="true"/>
+          <p:nvPr/>
+        </p:nvSpPr>
+        <p:spPr>
+          <a:xfrm>
+            <a:off x="3956050" y="6475095"/>
+            <a:ext cx="2587625" cy="275590"/>
+          </a:xfrm>
+          <a:prstGeom prst="rect">
+            <a:avLst/>
+          </a:prstGeom>
+          <a:noFill/>
+        </p:spPr>
+        <p:txBody>
+          <a:bodyPr wrap="none" rtlCol="0">
+            <a:spAutoFit/>
+          </a:bodyPr>
+          <a:p>
+            <a:pPr algn="l"/>
+            <a:r>
+              <a:rPr lang="en-US" sz="1200" b="1">
+                <a:solidFill>
+                  <a:srgbClr val="2C3E50"/>
+                </a:solidFill>
+              </a:rPr>
+              <a:t>clockevents_register_device</a:t>
+            </a:r>
+            <a:endParaRPr lang="en-US" sz="1200" b="1">
+              <a:solidFill>
+                <a:srgbClr val="2C3E50"/>
+              </a:solidFill>
+            </a:endParaRPr>
+          </a:p>
+        </p:txBody>
+      </p:sp>
+      <p:sp>
+        <p:nvSpPr>
+          <p:cNvPr id="13" name="Flowchart: Process 12"/>
+          <p:cNvSpPr/>
+          <p:nvPr/>
+        </p:nvSpPr>
+        <p:spPr>
+          <a:xfrm>
+            <a:off x="1354455" y="1830705"/>
+            <a:ext cx="4970780" cy="408305"/>
+          </a:xfrm>
+          <a:prstGeom prst="flowChartProcess">
+            <a:avLst/>
+          </a:prstGeom>
+          <a:noFill/>
+          <a:ln w="38100">
+            <a:solidFill>
+              <a:srgbClr val="2C3E50"/>
+            </a:solidFill>
+          </a:ln>
+          <a:extLst>
+            <a:ext uri="{909E8E84-426E-40DD-AFC4-6F175D3DCCD1}">
+              <a14:hiddenFill xmlns:a14="http://schemas.microsoft.com/office/drawing/2010/main">
+                <a:solidFill>
+                  <a:schemeClr val="accent2"/>
+                </a:solidFill>
+              </a14:hiddenFill>
+            </a:ext>
+          </a:extLst>
+        </p:spPr>
+        <p:style>
+          <a:lnRef idx="2">
+            <a:schemeClr val="accent1">
+              <a:shade val="50000"/>
+            </a:schemeClr>
+          </a:lnRef>
+          <a:fillRef idx="1">
+            <a:schemeClr val="accent1"/>
+          </a:fillRef>
+          <a:effectRef idx="0">
+            <a:schemeClr val="accent1"/>
+          </a:effectRef>
+          <a:fontRef idx="minor">
+            <a:schemeClr val="lt1"/>
+          </a:fontRef>
+        </p:style>
+        <p:txBody>
+          <a:bodyPr rtlCol="0" anchor="ctr"/>
+          <a:p>
+            <a:pPr algn="ctr"/>
+            <a:r>
+              <a:rPr lang="" altLang="zh-CN" sz="1400" b="1">
+                <a:solidFill>
+                  <a:srgbClr val="2C3E50"/>
+                </a:solidFill>
+              </a:rPr>
+              <a:t>user interface</a:t>
+            </a:r>
+            <a:endParaRPr lang="" altLang="zh-CN" sz="1400" b="1">
+              <a:solidFill>
+                <a:srgbClr val="2C3E50"/>
+              </a:solidFill>
+            </a:endParaRPr>
+          </a:p>
+        </p:txBody>
+      </p:sp>
+      <p:sp>
+        <p:nvSpPr>
+          <p:cNvPr id="14" name="Flowchart: Process 13"/>
+          <p:cNvSpPr/>
+          <p:nvPr/>
+        </p:nvSpPr>
+        <p:spPr>
+          <a:xfrm>
+            <a:off x="2929890" y="3926840"/>
+            <a:ext cx="1346200" cy="493395"/>
+          </a:xfrm>
+          <a:prstGeom prst="flowChartProcess">
+            <a:avLst/>
+          </a:prstGeom>
+          <a:noFill/>
+          <a:ln w="38100">
+            <a:solidFill>
+              <a:srgbClr val="2C3E50"/>
+            </a:solidFill>
+          </a:ln>
+          <a:extLst>
+            <a:ext uri="{909E8E84-426E-40DD-AFC4-6F175D3DCCD1}">
+              <a14:hiddenFill xmlns:a14="http://schemas.microsoft.com/office/drawing/2010/main">
+                <a:solidFill>
+                  <a:schemeClr val="accent2"/>
+                </a:solidFill>
+              </a14:hiddenFill>
+            </a:ext>
+          </a:extLst>
+        </p:spPr>
+        <p:style>
+          <a:lnRef idx="2">
+            <a:schemeClr val="accent1">
+              <a:shade val="50000"/>
+            </a:schemeClr>
+          </a:lnRef>
+          <a:fillRef idx="1">
+            <a:schemeClr val="accent1"/>
+          </a:fillRef>
+          <a:effectRef idx="0">
+            <a:schemeClr val="accent1"/>
+          </a:effectRef>
+          <a:fontRef idx="minor">
+            <a:schemeClr val="lt1"/>
+          </a:fontRef>
+        </p:style>
+        <p:txBody>
+          <a:bodyPr rtlCol="0" anchor="ctr"/>
+          <a:p>
+            <a:pPr algn="ctr"/>
+            <a:r>
+              <a:rPr lang="en-US" altLang="en-US" sz="1400" b="1">
+                <a:solidFill>
+                  <a:srgbClr val="2C3E50"/>
+                </a:solidFill>
+                <a:sym typeface="+mn-ea"/>
+              </a:rPr>
+              <a:t>tick device</a:t>
+            </a:r>
+            <a:endParaRPr lang="en-US" altLang="en-US" sz="1400" b="1">
+              <a:solidFill>
+                <a:srgbClr val="2C3E50"/>
+              </a:solidFill>
+            </a:endParaRPr>
+          </a:p>
+        </p:txBody>
+      </p:sp>
+      <p:sp>
+        <p:nvSpPr>
+          <p:cNvPr id="15" name="Flowchart: Process 14"/>
+          <p:cNvSpPr/>
+          <p:nvPr/>
+        </p:nvSpPr>
+        <p:spPr>
+          <a:xfrm>
+            <a:off x="5086985" y="8722360"/>
+            <a:ext cx="1346200" cy="569595"/>
+          </a:xfrm>
+          <a:prstGeom prst="flowChartProcess">
+            <a:avLst/>
+          </a:prstGeom>
+          <a:noFill/>
+          <a:ln w="38100">
+            <a:solidFill>
+              <a:srgbClr val="2C3E50"/>
+            </a:solidFill>
+          </a:ln>
+          <a:extLst>
+            <a:ext uri="{909E8E84-426E-40DD-AFC4-6F175D3DCCD1}">
+              <a14:hiddenFill xmlns:a14="http://schemas.microsoft.com/office/drawing/2010/main">
+                <a:solidFill>
+                  <a:schemeClr val="accent2"/>
+                </a:solidFill>
+              </a14:hiddenFill>
+            </a:ext>
+          </a:extLst>
+        </p:spPr>
+        <p:style>
+          <a:lnRef idx="2">
+            <a:schemeClr val="accent1">
+              <a:shade val="50000"/>
+            </a:schemeClr>
+          </a:lnRef>
+          <a:fillRef idx="1">
+            <a:schemeClr val="accent1"/>
+          </a:fillRef>
+          <a:effectRef idx="0">
+            <a:schemeClr val="accent1"/>
+          </a:effectRef>
+          <a:fontRef idx="minor">
+            <a:schemeClr val="lt1"/>
+          </a:fontRef>
+        </p:style>
+        <p:txBody>
+          <a:bodyPr rtlCol="0" anchor="ctr"/>
+          <a:p>
+            <a:pPr algn="ctr"/>
+            <a:r>
+              <a:rPr lang="en-US" altLang="en-US" sz="1400" b="1">
+                <a:solidFill>
+                  <a:srgbClr val="2C3E50"/>
+                </a:solidFill>
+              </a:rPr>
+              <a:t>CPU</a:t>
+            </a:r>
+            <a:endParaRPr lang="en-US" altLang="en-US" sz="1400" b="1">
+              <a:solidFill>
+                <a:srgbClr val="2C3E50"/>
+              </a:solidFill>
+            </a:endParaRPr>
+          </a:p>
+          <a:p>
+            <a:pPr algn="ctr"/>
+            <a:r>
+              <a:rPr lang="en-US" altLang="en-US" sz="1400" b="1">
+                <a:solidFill>
+                  <a:srgbClr val="2C3E50"/>
+                </a:solidFill>
+              </a:rPr>
+              <a:t>local timer</a:t>
+            </a:r>
+            <a:endParaRPr lang="en-US" altLang="en-US" sz="1400" b="1">
+              <a:solidFill>
+                <a:srgbClr val="2C3E50"/>
+              </a:solidFill>
+            </a:endParaRPr>
+          </a:p>
+        </p:txBody>
+      </p:sp>
+      <p:sp>
+        <p:nvSpPr>
+          <p:cNvPr id="16" name="Flowchart: Process 15"/>
+          <p:cNvSpPr/>
+          <p:nvPr/>
+        </p:nvSpPr>
+        <p:spPr>
+          <a:xfrm>
+            <a:off x="5034915" y="3926840"/>
+            <a:ext cx="1346200" cy="493395"/>
+          </a:xfrm>
+          <a:prstGeom prst="flowChartProcess">
+            <a:avLst/>
+          </a:prstGeom>
+          <a:noFill/>
+          <a:ln w="38100">
+            <a:solidFill>
+              <a:srgbClr val="2C3E50"/>
+            </a:solidFill>
+          </a:ln>
+          <a:extLst>
+            <a:ext uri="{909E8E84-426E-40DD-AFC4-6F175D3DCCD1}">
+              <a14:hiddenFill xmlns:a14="http://schemas.microsoft.com/office/drawing/2010/main">
+                <a:solidFill>
+                  <a:schemeClr val="accent2"/>
+                </a:solidFill>
+              </a14:hiddenFill>
+            </a:ext>
+          </a:extLst>
+        </p:spPr>
+        <p:style>
+          <a:lnRef idx="2">
+            <a:schemeClr val="accent1">
+              <a:shade val="50000"/>
+            </a:schemeClr>
+          </a:lnRef>
+          <a:fillRef idx="1">
+            <a:schemeClr val="accent1"/>
+          </a:fillRef>
+          <a:effectRef idx="0">
+            <a:schemeClr val="accent1"/>
+          </a:effectRef>
+          <a:fontRef idx="minor">
+            <a:schemeClr val="lt1"/>
+          </a:fontRef>
+        </p:style>
+        <p:txBody>
+          <a:bodyPr rtlCol="0" anchor="ctr"/>
+          <a:p>
+            <a:pPr algn="ctr"/>
+            <a:r>
+              <a:rPr lang="en-US" altLang="en-US" sz="1400" b="1">
+                <a:solidFill>
+                  <a:srgbClr val="2C3E50"/>
+                </a:solidFill>
+                <a:sym typeface="+mn-ea"/>
+              </a:rPr>
+              <a:t>tick device</a:t>
+            </a:r>
+            <a:endParaRPr lang="en-US" altLang="en-US" sz="1400" b="1">
+              <a:solidFill>
+                <a:srgbClr val="2C3E50"/>
+              </a:solidFill>
+            </a:endParaRPr>
+          </a:p>
+        </p:txBody>
+      </p:sp>
+      <p:sp>
+        <p:nvSpPr>
+          <p:cNvPr id="17" name="Text Box 16"/>
+          <p:cNvSpPr txBox="true"/>
+          <p:nvPr/>
+        </p:nvSpPr>
+        <p:spPr>
+          <a:xfrm>
+            <a:off x="4522470" y="3927475"/>
+            <a:ext cx="318770" cy="306705"/>
+          </a:xfrm>
+          <a:prstGeom prst="rect">
+            <a:avLst/>
+          </a:prstGeom>
+          <a:noFill/>
+        </p:spPr>
+        <p:txBody>
+          <a:bodyPr wrap="square" rtlCol="0">
+            <a:spAutoFit/>
+          </a:bodyPr>
+          <a:p>
+            <a:r>
+              <a:rPr lang="en-US" altLang="en-US" sz="1400" b="1">
+                <a:solidFill>
+                  <a:srgbClr val="3EAF7C"/>
+                </a:solidFill>
+              </a:rPr>
+              <a:t>...</a:t>
+            </a:r>
+            <a:endParaRPr lang="en-US" altLang="en-US" sz="1400" b="1">
+              <a:solidFill>
+                <a:srgbClr val="3EAF7C"/>
+              </a:solidFill>
+            </a:endParaRPr>
+          </a:p>
+        </p:txBody>
+      </p:sp>
+      <p:sp>
+        <p:nvSpPr>
+          <p:cNvPr id="18" name="Flowchart: Process 17"/>
+          <p:cNvSpPr/>
+          <p:nvPr/>
+        </p:nvSpPr>
+        <p:spPr>
+          <a:xfrm>
+            <a:off x="1354455" y="2729865"/>
+            <a:ext cx="2290445" cy="569595"/>
+          </a:xfrm>
+          <a:prstGeom prst="flowChartProcess">
+            <a:avLst/>
+          </a:prstGeom>
+          <a:noFill/>
+          <a:ln w="38100">
+            <a:solidFill>
+              <a:srgbClr val="2C3E50"/>
+            </a:solidFill>
+          </a:ln>
+          <a:extLst>
+            <a:ext uri="{909E8E84-426E-40DD-AFC4-6F175D3DCCD1}">
+              <a14:hiddenFill xmlns:a14="http://schemas.microsoft.com/office/drawing/2010/main">
+                <a:solidFill>
+                  <a:schemeClr val="accent2"/>
+                </a:solidFill>
+              </a14:hiddenFill>
+            </a:ext>
+          </a:extLst>
+        </p:spPr>
+        <p:style>
+          <a:lnRef idx="2">
+            <a:schemeClr val="accent1">
+              <a:shade val="50000"/>
+            </a:schemeClr>
+          </a:lnRef>
+          <a:fillRef idx="1">
+            <a:schemeClr val="accent1"/>
+          </a:fillRef>
+          <a:effectRef idx="0">
+            <a:schemeClr val="accent1"/>
+          </a:effectRef>
+          <a:fontRef idx="minor">
+            <a:schemeClr val="lt1"/>
+          </a:fontRef>
+        </p:style>
+        <p:txBody>
+          <a:bodyPr rtlCol="0" anchor="ctr"/>
+          <a:p>
+            <a:pPr algn="ctr"/>
+            <a:r>
+              <a:rPr lang="" altLang="en-US" sz="1400" b="1">
+                <a:solidFill>
+                  <a:srgbClr val="2C3E50"/>
+                </a:solidFill>
+              </a:rPr>
+              <a:t>timer</a:t>
+            </a:r>
+            <a:endParaRPr lang="" altLang="en-US" sz="1400" b="1">
+              <a:solidFill>
+                <a:srgbClr val="2C3E50"/>
+              </a:solidFill>
+            </a:endParaRPr>
+          </a:p>
+        </p:txBody>
+      </p:sp>
+      <p:sp>
+        <p:nvSpPr>
+          <p:cNvPr id="19" name="Flowchart: Process 18"/>
+          <p:cNvSpPr/>
+          <p:nvPr/>
+        </p:nvSpPr>
+        <p:spPr>
+          <a:xfrm>
+            <a:off x="4035425" y="2729865"/>
+            <a:ext cx="2290445" cy="569595"/>
+          </a:xfrm>
+          <a:prstGeom prst="flowChartProcess">
+            <a:avLst/>
+          </a:prstGeom>
+          <a:noFill/>
+          <a:ln w="38100">
+            <a:solidFill>
+              <a:srgbClr val="2C3E50"/>
+            </a:solidFill>
+          </a:ln>
+          <a:extLst>
+            <a:ext uri="{909E8E84-426E-40DD-AFC4-6F175D3DCCD1}">
+              <a14:hiddenFill xmlns:a14="http://schemas.microsoft.com/office/drawing/2010/main">
+                <a:solidFill>
+                  <a:schemeClr val="accent2"/>
+                </a:solidFill>
+              </a14:hiddenFill>
+            </a:ext>
+          </a:extLst>
+        </p:spPr>
+        <p:style>
+          <a:lnRef idx="2">
+            <a:schemeClr val="accent1">
+              <a:shade val="50000"/>
+            </a:schemeClr>
+          </a:lnRef>
+          <a:fillRef idx="1">
+            <a:schemeClr val="accent1"/>
+          </a:fillRef>
+          <a:effectRef idx="0">
+            <a:schemeClr val="accent1"/>
+          </a:effectRef>
+          <a:fontRef idx="minor">
+            <a:schemeClr val="lt1"/>
+          </a:fontRef>
+        </p:style>
+        <p:txBody>
+          <a:bodyPr rtlCol="0" anchor="ctr"/>
+          <a:p>
+            <a:pPr algn="ctr"/>
+            <a:r>
+              <a:rPr lang="" altLang="en-US" sz="1400" b="1">
+                <a:solidFill>
+                  <a:srgbClr val="2C3E50"/>
+                </a:solidFill>
+              </a:rPr>
+              <a:t>hrtimer</a:t>
+            </a:r>
+            <a:endParaRPr lang="" altLang="en-US" sz="1400" b="1">
+              <a:solidFill>
+                <a:srgbClr val="2C3E50"/>
+              </a:solidFill>
+            </a:endParaRPr>
+          </a:p>
+        </p:txBody>
+      </p:sp>
+      <p:cxnSp>
+        <p:nvCxnSpPr>
+          <p:cNvPr id="20" name="Straight Connector 19"/>
+          <p:cNvCxnSpPr/>
+          <p:nvPr/>
+        </p:nvCxnSpPr>
+        <p:spPr>
+          <a:xfrm flipV="true">
+            <a:off x="187325" y="1534795"/>
+            <a:ext cx="6245860" cy="33655"/>
+          </a:xfrm>
+          <a:prstGeom prst="line">
+            <a:avLst/>
+          </a:prstGeom>
+          <a:ln w="28575">
+            <a:solidFill>
+              <a:srgbClr val="3EAF7C"/>
+            </a:solidFill>
+            <a:prstDash val="sysDash"/>
+          </a:ln>
+        </p:spPr>
+        <p:style>
+          <a:lnRef idx="1">
+            <a:schemeClr val="accent1"/>
+          </a:lnRef>
+          <a:fillRef idx="0">
+            <a:schemeClr val="accent1"/>
+          </a:fillRef>
+          <a:effectRef idx="0">
+            <a:schemeClr val="accent1"/>
+          </a:effectRef>
+          <a:fontRef idx="minor">
+            <a:schemeClr val="tx1"/>
+          </a:fontRef>
+        </p:style>
+      </p:cxnSp>
+      <p:sp>
+        <p:nvSpPr>
+          <p:cNvPr id="21" name="Flowchart: Process 20"/>
+          <p:cNvSpPr/>
+          <p:nvPr/>
+        </p:nvSpPr>
+        <p:spPr>
+          <a:xfrm>
+            <a:off x="1353820" y="880110"/>
+            <a:ext cx="4970780" cy="408305"/>
+          </a:xfrm>
+          <a:prstGeom prst="flowChartProcess">
+            <a:avLst/>
+          </a:prstGeom>
+          <a:noFill/>
+          <a:ln w="38100">
+            <a:solidFill>
+              <a:srgbClr val="2C3E50"/>
+            </a:solidFill>
+          </a:ln>
+          <a:extLst>
+            <a:ext uri="{909E8E84-426E-40DD-AFC4-6F175D3DCCD1}">
+              <a14:hiddenFill xmlns:a14="http://schemas.microsoft.com/office/drawing/2010/main">
+                <a:solidFill>
+                  <a:schemeClr val="accent2"/>
+                </a:solidFill>
+              </a14:hiddenFill>
+            </a:ext>
+          </a:extLst>
+        </p:spPr>
+        <p:style>
+          <a:lnRef idx="2">
+            <a:schemeClr val="accent1">
+              <a:shade val="50000"/>
+            </a:schemeClr>
+          </a:lnRef>
+          <a:fillRef idx="1">
+            <a:schemeClr val="accent1"/>
+          </a:fillRef>
+          <a:effectRef idx="0">
+            <a:schemeClr val="accent1"/>
+          </a:effectRef>
+          <a:fontRef idx="minor">
+            <a:schemeClr val="lt1"/>
+          </a:fontRef>
+        </p:style>
+        <p:txBody>
+          <a:bodyPr rtlCol="0" anchor="ctr"/>
+          <a:p>
+            <a:pPr algn="ctr"/>
+            <a:r>
+              <a:rPr lang="" altLang="zh-CN" sz="1400" b="1">
+                <a:solidFill>
+                  <a:srgbClr val="2C3E50"/>
+                </a:solidFill>
+              </a:rPr>
+              <a:t>application</a:t>
+            </a:r>
+            <a:endParaRPr lang="" altLang="zh-CN" sz="1400" b="1">
+              <a:solidFill>
+                <a:srgbClr val="2C3E50"/>
+              </a:solidFill>
+            </a:endParaRPr>
+          </a:p>
+        </p:txBody>
+      </p:sp>
+      <p:sp>
+        <p:nvSpPr>
+          <p:cNvPr id="22" name="Text Box 21"/>
+          <p:cNvSpPr txBox="true"/>
+          <p:nvPr/>
+        </p:nvSpPr>
+        <p:spPr>
+          <a:xfrm>
+            <a:off x="187325" y="1568450"/>
+            <a:ext cx="722630" cy="275590"/>
+          </a:xfrm>
+          <a:prstGeom prst="rect">
+            <a:avLst/>
+          </a:prstGeom>
+          <a:noFill/>
+        </p:spPr>
+        <p:txBody>
+          <a:bodyPr wrap="none" rtlCol="0">
+            <a:spAutoFit/>
+          </a:bodyPr>
+          <a:p>
+            <a:r>
+              <a:rPr lang="" altLang="zh-CN" sz="1200" b="1">
+                <a:solidFill>
+                  <a:srgbClr val="2C3E50"/>
+                </a:solidFill>
+              </a:rPr>
+              <a:t>kernel</a:t>
+            </a:r>
+            <a:endParaRPr lang="" altLang="zh-CN" sz="1200" b="1">
+              <a:solidFill>
+                <a:srgbClr val="2C3E50"/>
+              </a:solidFill>
+            </a:endParaRPr>
+          </a:p>
+        </p:txBody>
+      </p:sp>
+      <p:sp>
+        <p:nvSpPr>
+          <p:cNvPr id="23" name="Text Box 22"/>
+          <p:cNvSpPr txBox="true"/>
+          <p:nvPr/>
+        </p:nvSpPr>
+        <p:spPr>
+          <a:xfrm>
+            <a:off x="187325" y="880110"/>
+            <a:ext cx="560705" cy="275590"/>
+          </a:xfrm>
+          <a:prstGeom prst="rect">
+            <a:avLst/>
+          </a:prstGeom>
+          <a:noFill/>
+        </p:spPr>
+        <p:txBody>
+          <a:bodyPr wrap="none" rtlCol="0">
+            <a:spAutoFit/>
+          </a:bodyPr>
+          <a:p>
+            <a:r>
+              <a:rPr lang="" altLang="zh-CN" sz="1200" b="1">
+                <a:solidFill>
+                  <a:srgbClr val="2C3E50"/>
+                </a:solidFill>
+              </a:rPr>
+              <a:t>user</a:t>
+            </a:r>
+            <a:endParaRPr lang="" altLang="zh-CN" sz="1200" b="1">
+              <a:solidFill>
+                <a:srgbClr val="2C3E50"/>
+              </a:solidFill>
+            </a:endParaRPr>
+          </a:p>
+        </p:txBody>
+      </p:sp>
+      <p:cxnSp>
+        <p:nvCxnSpPr>
+          <p:cNvPr id="24" name="Straight Arrow Connector 23"/>
+          <p:cNvCxnSpPr>
+            <a:stCxn id="21" idx="2"/>
+            <a:endCxn id="13" idx="0"/>
+          </p:cNvCxnSpPr>
+          <p:nvPr/>
+        </p:nvCxnSpPr>
+        <p:spPr>
+          <a:xfrm>
+            <a:off x="3839210" y="1288415"/>
+            <a:ext cx="635" cy="542290"/>
+          </a:xfrm>
+          <a:prstGeom prst="straightConnector1">
+            <a:avLst/>
+          </a:prstGeom>
+          <a:ln w="38100">
+            <a:solidFill>
+              <a:srgbClr val="3EAF7C"/>
+            </a:solidFill>
+            <a:headEnd type="arrow"/>
+            <a:tailEnd type="arrow"/>
+          </a:ln>
+        </p:spPr>
+        <p:style>
+          <a:lnRef idx="1">
+            <a:schemeClr val="accent1"/>
+          </a:lnRef>
+          <a:fillRef idx="0">
+            <a:schemeClr val="accent1"/>
+          </a:fillRef>
+          <a:effectRef idx="0">
+            <a:schemeClr val="accent1"/>
+          </a:effectRef>
+          <a:fontRef idx="minor">
+            <a:schemeClr val="tx1"/>
+          </a:fontRef>
+        </p:style>
+      </p:cxnSp>
+      <p:cxnSp>
+        <p:nvCxnSpPr>
+          <p:cNvPr id="26" name="Straight Arrow Connector 25"/>
+          <p:cNvCxnSpPr/>
+          <p:nvPr/>
+        </p:nvCxnSpPr>
+        <p:spPr>
+          <a:xfrm>
+            <a:off x="5172075" y="2256790"/>
+            <a:ext cx="8890" cy="473075"/>
+          </a:xfrm>
+          <a:prstGeom prst="straightConnector1">
+            <a:avLst/>
+          </a:prstGeom>
+          <a:ln w="38100">
+            <a:solidFill>
+              <a:srgbClr val="3EAF7C"/>
+            </a:solidFill>
+            <a:headEnd type="arrow"/>
+            <a:tailEnd type="arrow"/>
+          </a:ln>
+        </p:spPr>
+        <p:style>
+          <a:lnRef idx="1">
+            <a:schemeClr val="accent1"/>
+          </a:lnRef>
+          <a:fillRef idx="0">
+            <a:schemeClr val="accent1"/>
+          </a:fillRef>
+          <a:effectRef idx="0">
+            <a:schemeClr val="accent1"/>
+          </a:effectRef>
+          <a:fontRef idx="minor">
+            <a:schemeClr val="tx1"/>
+          </a:fontRef>
+        </p:style>
+      </p:cxnSp>
+      <p:cxnSp>
+        <p:nvCxnSpPr>
+          <p:cNvPr id="27" name="Straight Arrow Connector 26"/>
+          <p:cNvCxnSpPr/>
+          <p:nvPr/>
+        </p:nvCxnSpPr>
+        <p:spPr>
+          <a:xfrm>
+            <a:off x="2494915" y="2239010"/>
+            <a:ext cx="8890" cy="473075"/>
+          </a:xfrm>
+          <a:prstGeom prst="straightConnector1">
+            <a:avLst/>
+          </a:prstGeom>
+          <a:ln w="38100">
+            <a:solidFill>
+              <a:srgbClr val="3EAF7C"/>
+            </a:solidFill>
+            <a:headEnd type="arrow"/>
+            <a:tailEnd type="arrow"/>
+          </a:ln>
+        </p:spPr>
+        <p:style>
+          <a:lnRef idx="1">
+            <a:schemeClr val="accent1"/>
+          </a:lnRef>
+          <a:fillRef idx="0">
+            <a:schemeClr val="accent1"/>
+          </a:fillRef>
+          <a:effectRef idx="0">
+            <a:schemeClr val="accent1"/>
+          </a:effectRef>
+          <a:fontRef idx="minor">
+            <a:schemeClr val="tx1"/>
+          </a:fontRef>
+        </p:style>
+      </p:cxnSp>
+      <p:sp>
+        <p:nvSpPr>
+          <p:cNvPr id="28" name="Text Box 27"/>
+          <p:cNvSpPr txBox="true"/>
+          <p:nvPr/>
+        </p:nvSpPr>
+        <p:spPr>
+          <a:xfrm>
+            <a:off x="2582545" y="4815840"/>
+            <a:ext cx="2570480" cy="275590"/>
+          </a:xfrm>
+          <a:prstGeom prst="rect">
+            <a:avLst/>
+          </a:prstGeom>
+          <a:noFill/>
+        </p:spPr>
+        <p:txBody>
+          <a:bodyPr wrap="none" rtlCol="0">
+            <a:spAutoFit/>
+          </a:bodyPr>
+          <a:p>
+            <a:pPr algn="l"/>
+            <a:r>
+              <a:rPr lang="en-US" sz="1200" b="1">
+                <a:solidFill>
+                  <a:srgbClr val="2C3E50"/>
+                </a:solidFill>
+              </a:rPr>
+              <a:t>clockevents_program_event</a:t>
+            </a:r>
+            <a:endParaRPr lang="en-US" sz="1200" b="1">
+              <a:solidFill>
+                <a:srgbClr val="2C3E50"/>
+              </a:solidFill>
+            </a:endParaRPr>
+          </a:p>
+        </p:txBody>
+      </p:sp>
+      <p:cxnSp>
+        <p:nvCxnSpPr>
+          <p:cNvPr id="29" name="Straight Arrow Connector 28"/>
+          <p:cNvCxnSpPr>
+            <a:endCxn id="28" idx="0"/>
+          </p:cNvCxnSpPr>
+          <p:nvPr/>
+        </p:nvCxnSpPr>
+        <p:spPr>
+          <a:xfrm>
+            <a:off x="3865245" y="4438015"/>
+            <a:ext cx="2540" cy="377825"/>
+          </a:xfrm>
+          <a:prstGeom prst="straightConnector1">
+            <a:avLst/>
+          </a:prstGeom>
+          <a:ln w="38100">
+            <a:solidFill>
+              <a:srgbClr val="3EAF7C"/>
+            </a:solidFill>
+            <a:headEnd type="arrow"/>
+            <a:tailEnd type="arrow"/>
+          </a:ln>
+        </p:spPr>
+        <p:style>
+          <a:lnRef idx="1">
+            <a:schemeClr val="accent1"/>
+          </a:lnRef>
+          <a:fillRef idx="0">
+            <a:schemeClr val="accent1"/>
+          </a:fillRef>
+          <a:effectRef idx="0">
+            <a:schemeClr val="accent1"/>
+          </a:effectRef>
+          <a:fontRef idx="minor">
+            <a:schemeClr val="tx1"/>
+          </a:fontRef>
+        </p:style>
+      </p:cxnSp>
+      <p:cxnSp>
+        <p:nvCxnSpPr>
+          <p:cNvPr id="30" name="Straight Arrow Connector 29"/>
+          <p:cNvCxnSpPr>
+            <a:stCxn id="28" idx="2"/>
+            <a:endCxn id="10" idx="0"/>
+          </p:cNvCxnSpPr>
+          <p:nvPr/>
+        </p:nvCxnSpPr>
+        <p:spPr>
+          <a:xfrm>
+            <a:off x="3867785" y="5091430"/>
+            <a:ext cx="0" cy="395605"/>
+          </a:xfrm>
+          <a:prstGeom prst="straightConnector1">
+            <a:avLst/>
+          </a:prstGeom>
+          <a:ln w="38100">
+            <a:solidFill>
+              <a:srgbClr val="3EAF7C"/>
+            </a:solidFill>
+            <a:headEnd type="arrow"/>
+            <a:tailEnd type="arrow"/>
+          </a:ln>
+        </p:spPr>
+        <p:style>
+          <a:lnRef idx="1">
+            <a:schemeClr val="accent1"/>
+          </a:lnRef>
+          <a:fillRef idx="0">
+            <a:schemeClr val="accent1"/>
+          </a:fillRef>
+          <a:effectRef idx="0">
+            <a:schemeClr val="accent1"/>
+          </a:effectRef>
+          <a:fontRef idx="minor">
+            <a:schemeClr val="tx1"/>
+          </a:fontRef>
+        </p:style>
+      </p:cxnSp>
+      <p:cxnSp>
+        <p:nvCxnSpPr>
+          <p:cNvPr id="31" name="Elbow Connector 30"/>
+          <p:cNvCxnSpPr>
+            <a:stCxn id="18" idx="2"/>
+            <a:endCxn id="8" idx="0"/>
+          </p:cNvCxnSpPr>
+          <p:nvPr/>
+        </p:nvCxnSpPr>
+        <p:spPr>
+          <a:xfrm rot="5400000">
+            <a:off x="1949768" y="3376613"/>
+            <a:ext cx="627380" cy="473075"/>
+          </a:xfrm>
+          <a:prstGeom prst="bentConnector3">
+            <a:avLst>
+              <a:gd name="adj1" fmla="val 49949"/>
+            </a:avLst>
+          </a:prstGeom>
+          <a:ln w="38100">
+            <a:solidFill>
+              <a:srgbClr val="3EAF7C"/>
+            </a:solidFill>
+            <a:tailEnd type="arrow"/>
+          </a:ln>
+        </p:spPr>
+        <p:style>
+          <a:lnRef idx="1">
+            <a:schemeClr val="accent1"/>
+          </a:lnRef>
+          <a:fillRef idx="0">
+            <a:schemeClr val="accent1"/>
+          </a:fillRef>
+          <a:effectRef idx="0">
+            <a:schemeClr val="accent1"/>
+          </a:effectRef>
+          <a:fontRef idx="minor">
+            <a:schemeClr val="tx1"/>
+          </a:fontRef>
+        </p:style>
+      </p:cxnSp>
+      <p:cxnSp>
+        <p:nvCxnSpPr>
+          <p:cNvPr id="33" name="Elbow Connector 32"/>
+          <p:cNvCxnSpPr>
+            <a:stCxn id="19" idx="2"/>
+            <a:endCxn id="16" idx="0"/>
+          </p:cNvCxnSpPr>
+          <p:nvPr/>
+        </p:nvCxnSpPr>
+        <p:spPr>
+          <a:xfrm rot="5400000" flipV="true">
+            <a:off x="5130800" y="3349625"/>
+            <a:ext cx="627380" cy="527050"/>
+          </a:xfrm>
+          <a:prstGeom prst="bentConnector3">
+            <a:avLst>
+              <a:gd name="adj1" fmla="val 50000"/>
+            </a:avLst>
+          </a:prstGeom>
+          <a:ln w="38100">
+            <a:solidFill>
+              <a:srgbClr val="3EAF7C"/>
+            </a:solidFill>
+            <a:tailEnd type="arrow"/>
+          </a:ln>
+        </p:spPr>
+        <p:style>
+          <a:lnRef idx="1">
+            <a:schemeClr val="accent1"/>
+          </a:lnRef>
+          <a:fillRef idx="0">
+            <a:schemeClr val="accent1"/>
+          </a:fillRef>
+          <a:effectRef idx="0">
+            <a:schemeClr val="accent1"/>
+          </a:effectRef>
+          <a:fontRef idx="minor">
+            <a:schemeClr val="tx1"/>
+          </a:fontRef>
+        </p:style>
+      </p:cxnSp>
+      <p:cxnSp>
+        <p:nvCxnSpPr>
+          <p:cNvPr id="34" name="Straight Arrow Connector 33"/>
+          <p:cNvCxnSpPr>
+            <a:stCxn id="10" idx="2"/>
+            <a:endCxn id="9" idx="0"/>
+          </p:cNvCxnSpPr>
+          <p:nvPr/>
+        </p:nvCxnSpPr>
+        <p:spPr>
+          <a:xfrm>
+            <a:off x="3867785" y="5921375"/>
+            <a:ext cx="0" cy="1382395"/>
+          </a:xfrm>
+          <a:prstGeom prst="straightConnector1">
+            <a:avLst/>
+          </a:prstGeom>
+          <a:ln w="38100">
+            <a:solidFill>
+              <a:srgbClr val="3EAF7C"/>
+            </a:solidFill>
+            <a:headEnd type="arrow"/>
+            <a:tailEnd type="arrow"/>
+          </a:ln>
+        </p:spPr>
+        <p:style>
+          <a:lnRef idx="1">
+            <a:schemeClr val="accent1"/>
+          </a:lnRef>
+          <a:fillRef idx="0">
+            <a:schemeClr val="accent1"/>
+          </a:fillRef>
+          <a:effectRef idx="0">
+            <a:schemeClr val="accent1"/>
+          </a:effectRef>
+          <a:fontRef idx="minor">
+            <a:schemeClr val="tx1"/>
+          </a:fontRef>
+        </p:style>
+      </p:cxnSp>
+      <p:cxnSp>
+        <p:nvCxnSpPr>
+          <p:cNvPr id="35" name="Elbow Connector 34"/>
+          <p:cNvCxnSpPr>
+            <a:stCxn id="9" idx="2"/>
+            <a:endCxn id="2" idx="0"/>
+          </p:cNvCxnSpPr>
+          <p:nvPr/>
+        </p:nvCxnSpPr>
+        <p:spPr>
+          <a:xfrm rot="5400000">
+            <a:off x="2497773" y="7352348"/>
+            <a:ext cx="899795" cy="1840230"/>
+          </a:xfrm>
+          <a:prstGeom prst="bentConnector3">
+            <a:avLst>
+              <a:gd name="adj1" fmla="val 50000"/>
+            </a:avLst>
+          </a:prstGeom>
+          <a:ln w="38100">
+            <a:solidFill>
+              <a:srgbClr val="3EAF7C"/>
+            </a:solidFill>
+            <a:tailEnd type="arrow"/>
+          </a:ln>
+        </p:spPr>
+        <p:style>
+          <a:lnRef idx="1">
+            <a:schemeClr val="accent1"/>
+          </a:lnRef>
+          <a:fillRef idx="0">
+            <a:schemeClr val="accent1"/>
+          </a:fillRef>
+          <a:effectRef idx="0">
+            <a:schemeClr val="accent1"/>
+          </a:effectRef>
+          <a:fontRef idx="minor">
+            <a:schemeClr val="tx1"/>
+          </a:fontRef>
+        </p:style>
+      </p:cxnSp>
+      <p:cxnSp>
+        <p:nvCxnSpPr>
+          <p:cNvPr id="36" name="Elbow Connector 35"/>
+          <p:cNvCxnSpPr>
+            <a:stCxn id="9" idx="2"/>
+            <a:endCxn id="15" idx="0"/>
+          </p:cNvCxnSpPr>
+          <p:nvPr/>
+        </p:nvCxnSpPr>
+        <p:spPr>
+          <a:xfrm rot="5400000" flipV="true">
+            <a:off x="4364038" y="7326313"/>
+            <a:ext cx="899795" cy="1892300"/>
+          </a:xfrm>
+          <a:prstGeom prst="bentConnector3">
+            <a:avLst>
+              <a:gd name="adj1" fmla="val 50000"/>
+            </a:avLst>
+          </a:prstGeom>
+          <a:ln w="38100">
+            <a:solidFill>
+              <a:srgbClr val="3EAF7C"/>
+            </a:solidFill>
+            <a:tailEnd type="arrow"/>
+          </a:ln>
+        </p:spPr>
+        <p:style>
+          <a:lnRef idx="1">
+            <a:schemeClr val="accent1"/>
+          </a:lnRef>
+          <a:fillRef idx="0">
+            <a:schemeClr val="accent1"/>
+          </a:fillRef>
+          <a:effectRef idx="0">
+            <a:schemeClr val="accent1"/>
+          </a:effectRef>
+          <a:fontRef idx="minor">
+            <a:schemeClr val="tx1"/>
+          </a:fontRef>
+        </p:style>
+      </p:cxnSp>
+    </p:spTree>
+  </p:cSld>
+  <p:clrMapOvr>
+    <a:masterClrMapping/>
+  </p:clrMapOvr>
+</p:sld>
+</file>
+
+<file path=ppt/slides/slide3.xml><?xml version="1.0" encoding="utf-8"?>
+<p:sld xmlns:a="http://schemas.openxmlformats.org/drawingml/2006/main" xmlns:r="http://schemas.openxmlformats.org/officeDocument/2006/relationships" xmlns:p="http://schemas.openxmlformats.org/presentationml/2006/main">
+  <p:cSld>
+    <p:spTree>
+      <p:nvGrpSpPr>
+        <p:cNvPr id="1" name=""/>
+        <p:cNvGrpSpPr/>
+        <p:nvPr/>
+      </p:nvGrpSpPr>
+      <p:grpSpPr/>
+      <p:sp>
+        <p:nvSpPr>
+          <p:cNvPr id="2" name="Flowchart: Process 1"/>
+          <p:cNvSpPr/>
+          <p:nvPr/>
+        </p:nvSpPr>
+        <p:spPr>
+          <a:xfrm>
+            <a:off x="1015365" y="5582285"/>
+            <a:ext cx="1346200" cy="569595"/>
+          </a:xfrm>
+          <a:prstGeom prst="flowChartProcess">
+            <a:avLst/>
+          </a:prstGeom>
+          <a:noFill/>
+          <a:ln w="38100">
+            <a:solidFill>
+              <a:srgbClr val="2C3E50"/>
+            </a:solidFill>
+          </a:ln>
+          <a:extLst>
+            <a:ext uri="{909E8E84-426E-40DD-AFC4-6F175D3DCCD1}">
+              <a14:hiddenFill xmlns:a14="http://schemas.microsoft.com/office/drawing/2010/main">
+                <a:solidFill>
+                  <a:schemeClr val="accent2"/>
+                </a:solidFill>
+              </a14:hiddenFill>
+            </a:ext>
+          </a:extLst>
+        </p:spPr>
+        <p:style>
+          <a:lnRef idx="2">
+            <a:schemeClr val="accent1">
+              <a:shade val="50000"/>
+            </a:schemeClr>
+          </a:lnRef>
+          <a:fillRef idx="1">
+            <a:schemeClr val="accent1"/>
+          </a:fillRef>
+          <a:effectRef idx="0">
+            <a:schemeClr val="accent1"/>
+          </a:effectRef>
+          <a:fontRef idx="minor">
+            <a:schemeClr val="lt1"/>
+          </a:fontRef>
+        </p:style>
+        <p:txBody>
+          <a:bodyPr rtlCol="0" anchor="ctr"/>
+          <a:p>
+            <a:pPr algn="ctr"/>
+            <a:r>
+              <a:rPr lang="en-US" altLang="en-US" sz="1400" b="1">
+                <a:solidFill>
+                  <a:srgbClr val="2C3E50"/>
+                </a:solidFill>
+              </a:rPr>
+              <a:t>CPU</a:t>
+            </a:r>
+            <a:endParaRPr lang="en-US" altLang="en-US" sz="1400" b="1">
+              <a:solidFill>
+                <a:srgbClr val="2C3E50"/>
+              </a:solidFill>
+            </a:endParaRPr>
+          </a:p>
+          <a:p>
+            <a:pPr algn="ctr"/>
+            <a:r>
+              <a:rPr lang="en-US" altLang="en-US" sz="1400" b="1">
+                <a:solidFill>
+                  <a:srgbClr val="2C3E50"/>
+                </a:solidFill>
+              </a:rPr>
+              <a:t>local timer</a:t>
+            </a:r>
+            <a:endParaRPr lang="en-US" altLang="en-US" sz="1400" b="1">
+              <a:solidFill>
+                <a:srgbClr val="2C3E50"/>
+              </a:solidFill>
+            </a:endParaRPr>
+          </a:p>
+        </p:txBody>
+      </p:sp>
+      <p:sp>
+        <p:nvSpPr>
+          <p:cNvPr id="3" name="Flowchart: Process 2"/>
+          <p:cNvSpPr/>
+          <p:nvPr/>
+        </p:nvSpPr>
+        <p:spPr>
+          <a:xfrm>
+            <a:off x="3430905" y="5582285"/>
+            <a:ext cx="1346200" cy="569595"/>
+          </a:xfrm>
+          <a:prstGeom prst="flowChartProcess">
+            <a:avLst/>
+          </a:prstGeom>
+          <a:noFill/>
+          <a:ln w="38100">
+            <a:solidFill>
+              <a:srgbClr val="2C3E50"/>
+            </a:solidFill>
+          </a:ln>
+          <a:extLst>
+            <a:ext uri="{909E8E84-426E-40DD-AFC4-6F175D3DCCD1}">
+              <a14:hiddenFill xmlns:a14="http://schemas.microsoft.com/office/drawing/2010/main">
+                <a:solidFill>
+                  <a:schemeClr val="accent2"/>
+                </a:solidFill>
+              </a14:hiddenFill>
+            </a:ext>
+          </a:extLst>
+        </p:spPr>
+        <p:style>
+          <a:lnRef idx="2">
+            <a:schemeClr val="accent1">
+              <a:shade val="50000"/>
+            </a:schemeClr>
+          </a:lnRef>
+          <a:fillRef idx="1">
+            <a:schemeClr val="accent1"/>
+          </a:fillRef>
+          <a:effectRef idx="0">
+            <a:schemeClr val="accent1"/>
+          </a:effectRef>
+          <a:fontRef idx="minor">
+            <a:schemeClr val="lt1"/>
+          </a:fontRef>
+        </p:style>
+        <p:txBody>
+          <a:bodyPr rtlCol="0" anchor="ctr"/>
+          <a:p>
+            <a:pPr algn="ctr"/>
+            <a:r>
+              <a:rPr lang="en-US" altLang="en-US" sz="1400" b="1">
+                <a:solidFill>
+                  <a:srgbClr val="2C3E50"/>
+                </a:solidFill>
+              </a:rPr>
+              <a:t>CPU</a:t>
+            </a:r>
+            <a:endParaRPr lang="en-US" altLang="en-US" sz="1400" b="1">
+              <a:solidFill>
+                <a:srgbClr val="2C3E50"/>
+              </a:solidFill>
+            </a:endParaRPr>
+          </a:p>
+          <a:p>
+            <a:pPr algn="ctr"/>
+            <a:r>
+              <a:rPr lang="en-US" altLang="en-US" sz="1400" b="1">
+                <a:solidFill>
+                  <a:srgbClr val="2C3E50"/>
+                </a:solidFill>
+              </a:rPr>
+              <a:t>local timer</a:t>
+            </a:r>
+            <a:endParaRPr lang="en-US" altLang="en-US" sz="1400" b="1">
+              <a:solidFill>
+                <a:srgbClr val="2C3E50"/>
+              </a:solidFill>
+            </a:endParaRPr>
+          </a:p>
+        </p:txBody>
+      </p:sp>
+      <p:sp>
+        <p:nvSpPr>
+          <p:cNvPr id="5" name="Text Box 4"/>
+          <p:cNvSpPr txBox="true"/>
+          <p:nvPr/>
+        </p:nvSpPr>
+        <p:spPr>
+          <a:xfrm>
+            <a:off x="2736850" y="5713730"/>
+            <a:ext cx="318770" cy="306705"/>
+          </a:xfrm>
+          <a:prstGeom prst="rect">
+            <a:avLst/>
+          </a:prstGeom>
+          <a:noFill/>
+        </p:spPr>
+        <p:txBody>
+          <a:bodyPr wrap="square" rtlCol="0">
+            <a:spAutoFit/>
+          </a:bodyPr>
+          <a:p>
+            <a:r>
+              <a:rPr lang="en-US" altLang="en-US" sz="1400" b="1">
+                <a:solidFill>
+                  <a:srgbClr val="3EAF7C"/>
+                </a:solidFill>
+              </a:rPr>
+              <a:t>...</a:t>
+            </a:r>
+            <a:endParaRPr lang="en-US" altLang="en-US" sz="1400" b="1">
+              <a:solidFill>
+                <a:srgbClr val="3EAF7C"/>
+              </a:solidFill>
+            </a:endParaRPr>
+          </a:p>
+        </p:txBody>
+      </p:sp>
+      <p:cxnSp>
+        <p:nvCxnSpPr>
+          <p:cNvPr id="6" name="Straight Connector 5"/>
+          <p:cNvCxnSpPr/>
+          <p:nvPr/>
+        </p:nvCxnSpPr>
+        <p:spPr>
+          <a:xfrm flipV="true">
+            <a:off x="264160" y="5125085"/>
+            <a:ext cx="6245860" cy="33655"/>
+          </a:xfrm>
+          <a:prstGeom prst="line">
+            <a:avLst/>
+          </a:prstGeom>
+          <a:ln w="28575">
+            <a:solidFill>
+              <a:srgbClr val="3EAF7C"/>
+            </a:solidFill>
+            <a:prstDash val="sysDash"/>
+          </a:ln>
+        </p:spPr>
+        <p:style>
+          <a:lnRef idx="1">
+            <a:schemeClr val="accent1"/>
+          </a:lnRef>
+          <a:fillRef idx="0">
+            <a:schemeClr val="accent1"/>
+          </a:fillRef>
+          <a:effectRef idx="0">
+            <a:schemeClr val="accent1"/>
+          </a:effectRef>
+          <a:fontRef idx="minor">
+            <a:schemeClr val="tx1"/>
+          </a:fontRef>
+        </p:style>
+      </p:cxnSp>
+      <p:sp>
+        <p:nvSpPr>
+          <p:cNvPr id="7" name="Text Box 6"/>
+          <p:cNvSpPr txBox="true"/>
+          <p:nvPr/>
+        </p:nvSpPr>
+        <p:spPr>
+          <a:xfrm>
+            <a:off x="264160" y="5306695"/>
+            <a:ext cx="1000760" cy="275590"/>
+          </a:xfrm>
+          <a:prstGeom prst="rect">
+            <a:avLst/>
+          </a:prstGeom>
+          <a:noFill/>
+        </p:spPr>
+        <p:txBody>
+          <a:bodyPr wrap="none" rtlCol="0">
+            <a:spAutoFit/>
+          </a:bodyPr>
+          <a:p>
+            <a:r>
+              <a:rPr lang="en-US" altLang="zh-CN" sz="1200" b="1">
+                <a:solidFill>
+                  <a:srgbClr val="2C3E50"/>
+                </a:solidFill>
+              </a:rPr>
+              <a:t>hardware</a:t>
+            </a:r>
+            <a:endParaRPr lang="en-US" altLang="zh-CN" sz="1200" b="1">
+              <a:solidFill>
+                <a:srgbClr val="2C3E50"/>
+              </a:solidFill>
+            </a:endParaRPr>
+          </a:p>
+        </p:txBody>
+      </p:sp>
+      <p:sp>
+        <p:nvSpPr>
+          <p:cNvPr id="15" name="Flowchart: Process 14"/>
+          <p:cNvSpPr/>
+          <p:nvPr/>
+        </p:nvSpPr>
+        <p:spPr>
+          <a:xfrm>
+            <a:off x="5163820" y="5582285"/>
+            <a:ext cx="1346200" cy="569595"/>
+          </a:xfrm>
+          <a:prstGeom prst="flowChartProcess">
+            <a:avLst/>
+          </a:prstGeom>
+          <a:noFill/>
+          <a:ln w="38100">
+            <a:solidFill>
+              <a:srgbClr val="2C3E50"/>
+            </a:solidFill>
+          </a:ln>
+          <a:extLst>
+            <a:ext uri="{909E8E84-426E-40DD-AFC4-6F175D3DCCD1}">
+              <a14:hiddenFill xmlns:a14="http://schemas.microsoft.com/office/drawing/2010/main">
+                <a:solidFill>
+                  <a:schemeClr val="accent2"/>
+                </a:solidFill>
+              </a14:hiddenFill>
+            </a:ext>
+          </a:extLst>
+        </p:spPr>
+        <p:style>
+          <a:lnRef idx="2">
+            <a:schemeClr val="accent1">
+              <a:shade val="50000"/>
+            </a:schemeClr>
+          </a:lnRef>
+          <a:fillRef idx="1">
+            <a:schemeClr val="accent1"/>
+          </a:fillRef>
+          <a:effectRef idx="0">
+            <a:schemeClr val="accent1"/>
+          </a:effectRef>
+          <a:fontRef idx="minor">
+            <a:schemeClr val="lt1"/>
+          </a:fontRef>
+        </p:style>
+        <p:txBody>
+          <a:bodyPr rtlCol="0" anchor="ctr"/>
+          <a:p>
+            <a:pPr algn="ctr"/>
+            <a:r>
+              <a:rPr lang="" altLang="en-US" sz="1400" b="1">
+                <a:solidFill>
+                  <a:srgbClr val="2C3E50"/>
+                </a:solidFill>
+              </a:rPr>
+              <a:t>Global</a:t>
+            </a:r>
+            <a:r>
+              <a:rPr lang="en-US" altLang="en-US" sz="1400" b="1">
+                <a:solidFill>
+                  <a:srgbClr val="2C3E50"/>
+                </a:solidFill>
+              </a:rPr>
+              <a:t> timer</a:t>
+            </a:r>
+            <a:endParaRPr lang="en-US" altLang="en-US" sz="1400" b="1">
+              <a:solidFill>
+                <a:srgbClr val="2C3E50"/>
+              </a:solidFill>
+            </a:endParaRPr>
+          </a:p>
+        </p:txBody>
+      </p:sp>
+      <p:cxnSp>
+        <p:nvCxnSpPr>
+          <p:cNvPr id="20" name="Straight Connector 19"/>
+          <p:cNvCxnSpPr/>
+          <p:nvPr/>
+        </p:nvCxnSpPr>
+        <p:spPr>
+          <a:xfrm flipV="true">
+            <a:off x="264160" y="991235"/>
+            <a:ext cx="6245860" cy="33655"/>
+          </a:xfrm>
+          <a:prstGeom prst="line">
+            <a:avLst/>
+          </a:prstGeom>
+          <a:ln w="28575">
+            <a:solidFill>
+              <a:srgbClr val="3EAF7C"/>
+            </a:solidFill>
+            <a:prstDash val="sysDash"/>
+          </a:ln>
+        </p:spPr>
+        <p:style>
+          <a:lnRef idx="1">
+            <a:schemeClr val="accent1"/>
+          </a:lnRef>
+          <a:fillRef idx="0">
+            <a:schemeClr val="accent1"/>
+          </a:fillRef>
+          <a:effectRef idx="0">
+            <a:schemeClr val="accent1"/>
+          </a:effectRef>
+          <a:fontRef idx="minor">
+            <a:schemeClr val="tx1"/>
+          </a:fontRef>
+        </p:style>
+      </p:cxnSp>
+      <p:sp>
+        <p:nvSpPr>
+          <p:cNvPr id="22" name="Text Box 21"/>
+          <p:cNvSpPr txBox="true"/>
+          <p:nvPr/>
+        </p:nvSpPr>
+        <p:spPr>
+          <a:xfrm>
+            <a:off x="264160" y="1024890"/>
+            <a:ext cx="722630" cy="275590"/>
+          </a:xfrm>
+          <a:prstGeom prst="rect">
+            <a:avLst/>
+          </a:prstGeom>
+          <a:noFill/>
+        </p:spPr>
+        <p:txBody>
+          <a:bodyPr wrap="none" rtlCol="0">
+            <a:spAutoFit/>
+          </a:bodyPr>
+          <a:p>
+            <a:r>
+              <a:rPr lang="en-US" altLang="zh-CN" sz="1200" b="1">
+                <a:solidFill>
+                  <a:srgbClr val="2C3E50"/>
+                </a:solidFill>
+              </a:rPr>
+              <a:t>kernel</a:t>
+            </a:r>
+            <a:endParaRPr lang="en-US" altLang="zh-CN" sz="1200" b="1">
+              <a:solidFill>
+                <a:srgbClr val="2C3E50"/>
+              </a:solidFill>
+            </a:endParaRPr>
+          </a:p>
+        </p:txBody>
+      </p:sp>
+      <p:sp>
+        <p:nvSpPr>
+          <p:cNvPr id="9" name="Flowchart: Process 8"/>
+          <p:cNvSpPr/>
+          <p:nvPr/>
+        </p:nvSpPr>
+        <p:spPr>
+          <a:xfrm>
+            <a:off x="1430655" y="4163695"/>
+            <a:ext cx="5027930" cy="518795"/>
+          </a:xfrm>
+          <a:prstGeom prst="flowChartProcess">
+            <a:avLst/>
+          </a:prstGeom>
+          <a:noFill/>
+          <a:ln w="38100">
+            <a:solidFill>
+              <a:srgbClr val="2C3E50"/>
+            </a:solidFill>
+          </a:ln>
+          <a:extLst>
+            <a:ext uri="{909E8E84-426E-40DD-AFC4-6F175D3DCCD1}">
+              <a14:hiddenFill xmlns:a14="http://schemas.microsoft.com/office/drawing/2010/main">
+                <a:solidFill>
+                  <a:schemeClr val="accent2"/>
+                </a:solidFill>
+              </a14:hiddenFill>
+            </a:ext>
+          </a:extLst>
+        </p:spPr>
+        <p:style>
+          <a:lnRef idx="2">
+            <a:schemeClr val="accent1">
+              <a:shade val="50000"/>
+            </a:schemeClr>
+          </a:lnRef>
+          <a:fillRef idx="1">
+            <a:schemeClr val="accent1"/>
+          </a:fillRef>
+          <a:effectRef idx="0">
+            <a:schemeClr val="accent1"/>
+          </a:effectRef>
+          <a:fontRef idx="minor">
+            <a:schemeClr val="lt1"/>
+          </a:fontRef>
+        </p:style>
+        <p:txBody>
+          <a:bodyPr rtlCol="0" anchor="ctr"/>
+          <a:p>
+            <a:pPr algn="ctr"/>
+            <a:r>
+              <a:rPr lang="en-US" altLang="zh-CN" sz="1400" b="1">
+                <a:solidFill>
+                  <a:srgbClr val="2C3E50"/>
+                </a:solidFill>
+              </a:rPr>
+              <a:t>timer deriver</a:t>
+            </a:r>
+            <a:endParaRPr lang="en-US" altLang="zh-CN" sz="1400" b="1">
+              <a:solidFill>
+                <a:srgbClr val="2C3E50"/>
+              </a:solidFill>
+            </a:endParaRPr>
+          </a:p>
+        </p:txBody>
+      </p:sp>
+      <p:sp>
+        <p:nvSpPr>
+          <p:cNvPr id="10" name="Flowchart: Process 9"/>
+          <p:cNvSpPr/>
+          <p:nvPr/>
+        </p:nvSpPr>
+        <p:spPr>
+          <a:xfrm>
+            <a:off x="1431925" y="2609850"/>
+            <a:ext cx="5026660" cy="434340"/>
+          </a:xfrm>
+          <a:prstGeom prst="flowChartProcess">
+            <a:avLst/>
+          </a:prstGeom>
+          <a:noFill/>
+          <a:ln w="38100">
+            <a:solidFill>
+              <a:srgbClr val="2C3E50"/>
+            </a:solidFill>
+          </a:ln>
+          <a:extLst>
+            <a:ext uri="{909E8E84-426E-40DD-AFC4-6F175D3DCCD1}">
+              <a14:hiddenFill xmlns:a14="http://schemas.microsoft.com/office/drawing/2010/main">
+                <a:solidFill>
+                  <a:schemeClr val="accent2"/>
+                </a:solidFill>
+              </a14:hiddenFill>
+            </a:ext>
+          </a:extLst>
+        </p:spPr>
+        <p:style>
+          <a:lnRef idx="2">
+            <a:schemeClr val="accent1">
+              <a:shade val="50000"/>
+            </a:schemeClr>
+          </a:lnRef>
+          <a:fillRef idx="1">
+            <a:schemeClr val="accent1"/>
+          </a:fillRef>
+          <a:effectRef idx="0">
+            <a:schemeClr val="accent1"/>
+          </a:effectRef>
+          <a:fontRef idx="minor">
+            <a:schemeClr val="lt1"/>
+          </a:fontRef>
+        </p:style>
+        <p:txBody>
+          <a:bodyPr rtlCol="0" anchor="ctr"/>
+          <a:p>
+            <a:pPr algn="ctr"/>
+            <a:r>
+              <a:rPr lang="" altLang="en-US" sz="1400" b="1">
+                <a:solidFill>
+                  <a:srgbClr val="2C3E50"/>
+                </a:solidFill>
+              </a:rPr>
+              <a:t>clock source</a:t>
+            </a:r>
+            <a:r>
+              <a:rPr lang="en-US" altLang="en-US" sz="1400" b="1">
+                <a:solidFill>
+                  <a:srgbClr val="2C3E50"/>
+                </a:solidFill>
+              </a:rPr>
+              <a:t> </a:t>
+            </a:r>
+            <a:endParaRPr lang="zh-CN" altLang="en-US" sz="1400" b="1">
+              <a:solidFill>
+                <a:srgbClr val="2C3E50"/>
+              </a:solidFill>
+            </a:endParaRPr>
+          </a:p>
+        </p:txBody>
+      </p:sp>
+      <p:sp>
+        <p:nvSpPr>
+          <p:cNvPr id="13" name="Flowchart: Process 12"/>
+          <p:cNvSpPr/>
+          <p:nvPr/>
+        </p:nvSpPr>
+        <p:spPr>
+          <a:xfrm>
+            <a:off x="1430655" y="1406525"/>
+            <a:ext cx="4970780" cy="408305"/>
+          </a:xfrm>
+          <a:prstGeom prst="flowChartProcess">
+            <a:avLst/>
+          </a:prstGeom>
+          <a:noFill/>
+          <a:ln w="38100">
+            <a:solidFill>
+              <a:srgbClr val="2C3E50"/>
+            </a:solidFill>
+          </a:ln>
+          <a:extLst>
+            <a:ext uri="{909E8E84-426E-40DD-AFC4-6F175D3DCCD1}">
+              <a14:hiddenFill xmlns:a14="http://schemas.microsoft.com/office/drawing/2010/main">
+                <a:solidFill>
+                  <a:schemeClr val="accent2"/>
+                </a:solidFill>
+              </a14:hiddenFill>
+            </a:ext>
+          </a:extLst>
+        </p:spPr>
+        <p:style>
+          <a:lnRef idx="2">
+            <a:schemeClr val="accent1">
+              <a:shade val="50000"/>
+            </a:schemeClr>
+          </a:lnRef>
+          <a:fillRef idx="1">
+            <a:schemeClr val="accent1"/>
+          </a:fillRef>
+          <a:effectRef idx="0">
+            <a:schemeClr val="accent1"/>
+          </a:effectRef>
+          <a:fontRef idx="minor">
+            <a:schemeClr val="lt1"/>
+          </a:fontRef>
+        </p:style>
+        <p:txBody>
+          <a:bodyPr rtlCol="0" anchor="ctr"/>
+          <a:p>
+            <a:pPr algn="ctr"/>
+            <a:r>
+              <a:rPr lang="" altLang="en-US" sz="1400" b="1">
+                <a:solidFill>
+                  <a:srgbClr val="2C3E50"/>
+                </a:solidFill>
+              </a:rPr>
+              <a:t>timekeeping</a:t>
+            </a:r>
+            <a:endParaRPr lang="" altLang="en-US" sz="1400" b="1">
+              <a:solidFill>
+                <a:srgbClr val="2C3E50"/>
+              </a:solidFill>
+            </a:endParaRPr>
+          </a:p>
+        </p:txBody>
+      </p:sp>
+      <p:sp>
+        <p:nvSpPr>
+          <p:cNvPr id="11" name="Text Box 10"/>
+          <p:cNvSpPr txBox="true"/>
+          <p:nvPr/>
+        </p:nvSpPr>
+        <p:spPr>
+          <a:xfrm>
+            <a:off x="2762250" y="3465830"/>
+            <a:ext cx="2366010" cy="275590"/>
+          </a:xfrm>
+          <a:prstGeom prst="rect">
+            <a:avLst/>
+          </a:prstGeom>
+          <a:noFill/>
+        </p:spPr>
+        <p:txBody>
+          <a:bodyPr wrap="none" rtlCol="0">
+            <a:spAutoFit/>
+          </a:bodyPr>
+          <a:p>
+            <a:pPr algn="l"/>
+            <a:r>
+              <a:rPr lang="en-US" sz="1200" b="1">
+                <a:solidFill>
+                  <a:srgbClr val="2C3E50"/>
+                </a:solidFill>
+              </a:rPr>
+              <a:t>clocksource_register_hz</a:t>
+            </a:r>
+            <a:r>
+              <a:rPr lang="" altLang="en-US" sz="1200" b="1">
+                <a:solidFill>
+                  <a:srgbClr val="2C3E50"/>
+                </a:solidFill>
+              </a:rPr>
+              <a:t>()</a:t>
+            </a:r>
+            <a:endParaRPr lang="" altLang="en-US" sz="1200" b="1">
+              <a:solidFill>
+                <a:srgbClr val="2C3E50"/>
+              </a:solidFill>
+            </a:endParaRPr>
+          </a:p>
+        </p:txBody>
+      </p:sp>
+      <p:sp>
+        <p:nvSpPr>
+          <p:cNvPr id="4" name="Text Box 3"/>
+          <p:cNvSpPr txBox="true"/>
+          <p:nvPr/>
+        </p:nvSpPr>
+        <p:spPr>
+          <a:xfrm>
+            <a:off x="4035425" y="1993900"/>
+            <a:ext cx="1833245" cy="275590"/>
+          </a:xfrm>
+          <a:prstGeom prst="rect">
+            <a:avLst/>
+          </a:prstGeom>
+          <a:noFill/>
+        </p:spPr>
+        <p:txBody>
+          <a:bodyPr wrap="none" rtlCol="0">
+            <a:spAutoFit/>
+          </a:bodyPr>
+          <a:p>
+            <a:pPr algn="l"/>
+            <a:r>
+              <a:rPr lang="en-US" sz="1200" b="1">
+                <a:solidFill>
+                  <a:srgbClr val="2C3E50"/>
+                </a:solidFill>
+              </a:rPr>
+              <a:t>timekeeping_notify</a:t>
+            </a:r>
+            <a:endParaRPr lang="en-US" sz="1200" b="1">
+              <a:solidFill>
+                <a:srgbClr val="2C3E50"/>
+              </a:solidFill>
+            </a:endParaRPr>
+          </a:p>
+        </p:txBody>
+      </p:sp>
+      <p:sp>
+        <p:nvSpPr>
+          <p:cNvPr id="8" name="Text Box 7"/>
+          <p:cNvSpPr txBox="true"/>
+          <p:nvPr/>
+        </p:nvSpPr>
+        <p:spPr>
+          <a:xfrm>
+            <a:off x="2361565" y="1993900"/>
+            <a:ext cx="573405" cy="275590"/>
+          </a:xfrm>
+          <a:prstGeom prst="rect">
+            <a:avLst/>
+          </a:prstGeom>
+          <a:noFill/>
+        </p:spPr>
+        <p:txBody>
+          <a:bodyPr wrap="none" rtlCol="0">
+            <a:spAutoFit/>
+          </a:bodyPr>
+          <a:p>
+            <a:r>
+              <a:rPr lang="" altLang="en-US" sz="1200" b="1">
+                <a:solidFill>
+                  <a:srgbClr val="2C3E50"/>
+                </a:solidFill>
+              </a:rPr>
+              <a:t>read</a:t>
+            </a:r>
+            <a:endParaRPr lang="" altLang="en-US" sz="1200" b="1">
+              <a:solidFill>
+                <a:srgbClr val="2C3E50"/>
+              </a:solidFill>
+            </a:endParaRPr>
+          </a:p>
+        </p:txBody>
+      </p:sp>
+      <p:cxnSp>
+        <p:nvCxnSpPr>
+          <p:cNvPr id="12" name="Elbow Connector 11"/>
+          <p:cNvCxnSpPr>
+            <a:stCxn id="9" idx="2"/>
+            <a:endCxn id="2" idx="0"/>
+          </p:cNvCxnSpPr>
+          <p:nvPr/>
+        </p:nvCxnSpPr>
+        <p:spPr>
+          <a:xfrm rot="5400000">
+            <a:off x="2366645" y="4004310"/>
+            <a:ext cx="899795" cy="2256155"/>
+          </a:xfrm>
+          <a:prstGeom prst="bentConnector3">
+            <a:avLst>
+              <a:gd name="adj1" fmla="val 50035"/>
+            </a:avLst>
+          </a:prstGeom>
+          <a:ln w="38100">
+            <a:solidFill>
+              <a:srgbClr val="3EAF7C"/>
+            </a:solidFill>
+            <a:tailEnd type="arrow"/>
+          </a:ln>
+        </p:spPr>
+        <p:style>
+          <a:lnRef idx="1">
+            <a:schemeClr val="accent1"/>
+          </a:lnRef>
+          <a:fillRef idx="0">
+            <a:schemeClr val="accent1"/>
+          </a:fillRef>
+          <a:effectRef idx="0">
+            <a:schemeClr val="accent1"/>
+          </a:effectRef>
+          <a:fontRef idx="minor">
+            <a:schemeClr val="tx1"/>
+          </a:fontRef>
+        </p:style>
+      </p:cxnSp>
+      <p:cxnSp>
+        <p:nvCxnSpPr>
+          <p:cNvPr id="14" name="Elbow Connector 13"/>
+          <p:cNvCxnSpPr>
+            <a:endCxn id="15" idx="0"/>
+          </p:cNvCxnSpPr>
+          <p:nvPr/>
+        </p:nvCxnSpPr>
+        <p:spPr>
+          <a:xfrm rot="5400000" flipV="true">
+            <a:off x="4915535" y="4660900"/>
+            <a:ext cx="923925" cy="918845"/>
+          </a:xfrm>
+          <a:prstGeom prst="bentConnector3">
+            <a:avLst>
+              <a:gd name="adj1" fmla="val 70240"/>
+            </a:avLst>
+          </a:prstGeom>
+          <a:ln w="38100">
+            <a:solidFill>
+              <a:srgbClr val="3EAF7C"/>
+            </a:solidFill>
+            <a:tailEnd type="arrow"/>
+          </a:ln>
+        </p:spPr>
+        <p:style>
+          <a:lnRef idx="1">
+            <a:schemeClr val="accent1"/>
+          </a:lnRef>
+          <a:fillRef idx="0">
+            <a:schemeClr val="accent1"/>
+          </a:fillRef>
+          <a:effectRef idx="0">
+            <a:schemeClr val="accent1"/>
+          </a:effectRef>
+          <a:fontRef idx="minor">
+            <a:schemeClr val="tx1"/>
+          </a:fontRef>
+        </p:style>
+      </p:cxnSp>
+      <p:cxnSp>
+        <p:nvCxnSpPr>
+          <p:cNvPr id="19" name="Straight Arrow Connector 18"/>
+          <p:cNvCxnSpPr/>
+          <p:nvPr/>
+        </p:nvCxnSpPr>
+        <p:spPr>
+          <a:xfrm>
+            <a:off x="2644140" y="1814830"/>
+            <a:ext cx="4445" cy="212090"/>
+          </a:xfrm>
+          <a:prstGeom prst="straightConnector1">
+            <a:avLst/>
+          </a:prstGeom>
+          <a:ln w="38100">
+            <a:solidFill>
+              <a:srgbClr val="3EAF7C"/>
+            </a:solidFill>
+            <a:tailEnd type="arrow"/>
+          </a:ln>
+        </p:spPr>
+        <p:style>
+          <a:lnRef idx="1">
+            <a:schemeClr val="accent1"/>
+          </a:lnRef>
+          <a:fillRef idx="0">
+            <a:schemeClr val="accent1"/>
+          </a:fillRef>
+          <a:effectRef idx="0">
+            <a:schemeClr val="accent1"/>
+          </a:effectRef>
+          <a:fontRef idx="minor">
+            <a:schemeClr val="tx1"/>
+          </a:fontRef>
+        </p:style>
+      </p:cxnSp>
+      <p:cxnSp>
+        <p:nvCxnSpPr>
+          <p:cNvPr id="21" name="Straight Arrow Connector 20"/>
+          <p:cNvCxnSpPr>
+            <a:stCxn id="4" idx="0"/>
+          </p:cNvCxnSpPr>
+          <p:nvPr/>
+        </p:nvCxnSpPr>
+        <p:spPr>
+          <a:xfrm flipH="true" flipV="true">
+            <a:off x="4943475" y="1832610"/>
+            <a:ext cx="8890" cy="161290"/>
+          </a:xfrm>
+          <a:prstGeom prst="straightConnector1">
+            <a:avLst/>
+          </a:prstGeom>
+          <a:ln w="38100">
+            <a:solidFill>
+              <a:srgbClr val="3EAF7C"/>
+            </a:solidFill>
+            <a:tailEnd type="arrow"/>
+          </a:ln>
+        </p:spPr>
+        <p:style>
+          <a:lnRef idx="1">
+            <a:schemeClr val="accent1"/>
+          </a:lnRef>
+          <a:fillRef idx="0">
+            <a:schemeClr val="accent1"/>
+          </a:fillRef>
+          <a:effectRef idx="0">
+            <a:schemeClr val="accent1"/>
+          </a:effectRef>
+          <a:fontRef idx="minor">
+            <a:schemeClr val="tx1"/>
+          </a:fontRef>
+        </p:style>
+      </p:cxnSp>
+      <p:cxnSp>
+        <p:nvCxnSpPr>
+          <p:cNvPr id="23" name="Straight Arrow Connector 22"/>
+          <p:cNvCxnSpPr>
+            <a:endCxn id="4" idx="2"/>
+          </p:cNvCxnSpPr>
+          <p:nvPr/>
+        </p:nvCxnSpPr>
+        <p:spPr>
+          <a:xfrm flipH="true" flipV="true">
+            <a:off x="4952365" y="2269490"/>
+            <a:ext cx="8255" cy="327025"/>
+          </a:xfrm>
+          <a:prstGeom prst="straightConnector1">
+            <a:avLst/>
+          </a:prstGeom>
+          <a:ln w="38100">
+            <a:solidFill>
+              <a:srgbClr val="3EAF7C"/>
+            </a:solidFill>
+            <a:tailEnd type="arrow"/>
+          </a:ln>
+        </p:spPr>
+        <p:style>
+          <a:lnRef idx="1">
+            <a:schemeClr val="accent1"/>
+          </a:lnRef>
+          <a:fillRef idx="0">
+            <a:schemeClr val="accent1"/>
+          </a:fillRef>
+          <a:effectRef idx="0">
+            <a:schemeClr val="accent1"/>
+          </a:effectRef>
+          <a:fontRef idx="minor">
+            <a:schemeClr val="tx1"/>
+          </a:fontRef>
+        </p:style>
+      </p:cxnSp>
+      <p:cxnSp>
+        <p:nvCxnSpPr>
+          <p:cNvPr id="24" name="Straight Arrow Connector 23"/>
+          <p:cNvCxnSpPr>
+            <a:stCxn id="8" idx="2"/>
+          </p:cNvCxnSpPr>
+          <p:nvPr/>
+        </p:nvCxnSpPr>
+        <p:spPr>
+          <a:xfrm flipH="true">
+            <a:off x="2644140" y="2269490"/>
+            <a:ext cx="4445" cy="327025"/>
+          </a:xfrm>
+          <a:prstGeom prst="straightConnector1">
+            <a:avLst/>
+          </a:prstGeom>
+          <a:ln w="38100">
+            <a:solidFill>
+              <a:srgbClr val="3EAF7C"/>
+            </a:solidFill>
+            <a:tailEnd type="arrow"/>
+          </a:ln>
+        </p:spPr>
+        <p:style>
+          <a:lnRef idx="1">
+            <a:schemeClr val="accent1"/>
+          </a:lnRef>
+          <a:fillRef idx="0">
+            <a:schemeClr val="accent1"/>
+          </a:fillRef>
+          <a:effectRef idx="0">
+            <a:schemeClr val="accent1"/>
+          </a:effectRef>
+          <a:fontRef idx="minor">
+            <a:schemeClr val="tx1"/>
+          </a:fontRef>
+        </p:style>
+      </p:cxnSp>
+      <p:cxnSp>
+        <p:nvCxnSpPr>
+          <p:cNvPr id="25" name="Straight Arrow Connector 24"/>
+          <p:cNvCxnSpPr>
+            <a:stCxn id="9" idx="0"/>
+            <a:endCxn id="11" idx="2"/>
+          </p:cNvCxnSpPr>
+          <p:nvPr/>
+        </p:nvCxnSpPr>
+        <p:spPr>
+          <a:xfrm flipV="true">
+            <a:off x="3944620" y="3741420"/>
+            <a:ext cx="635" cy="422275"/>
+          </a:xfrm>
+          <a:prstGeom prst="straightConnector1">
+            <a:avLst/>
+          </a:prstGeom>
+          <a:ln w="38100">
+            <a:solidFill>
+              <a:srgbClr val="3EAF7C"/>
+            </a:solidFill>
+            <a:tailEnd type="arrow"/>
+          </a:ln>
+        </p:spPr>
+        <p:style>
+          <a:lnRef idx="1">
+            <a:schemeClr val="accent1"/>
+          </a:lnRef>
+          <a:fillRef idx="0">
+            <a:schemeClr val="accent1"/>
+          </a:fillRef>
+          <a:effectRef idx="0">
+            <a:schemeClr val="accent1"/>
+          </a:effectRef>
+          <a:fontRef idx="minor">
+            <a:schemeClr val="tx1"/>
+          </a:fontRef>
+        </p:style>
+      </p:cxnSp>
+      <p:cxnSp>
+        <p:nvCxnSpPr>
+          <p:cNvPr id="26" name="Straight Arrow Connector 25"/>
+          <p:cNvCxnSpPr>
+            <a:stCxn id="11" idx="0"/>
+            <a:endCxn id="10" idx="2"/>
+          </p:cNvCxnSpPr>
+          <p:nvPr/>
+        </p:nvCxnSpPr>
+        <p:spPr>
+          <a:xfrm flipV="true">
+            <a:off x="3945255" y="3044190"/>
+            <a:ext cx="0" cy="421640"/>
+          </a:xfrm>
+          <a:prstGeom prst="straightConnector1">
+            <a:avLst/>
+          </a:prstGeom>
+          <a:ln w="38100">
+            <a:solidFill>
+              <a:srgbClr val="3EAF7C"/>
+            </a:solidFill>
+            <a:tailEnd type="arrow"/>
+          </a:ln>
+        </p:spPr>
+        <p:style>
+          <a:lnRef idx="1">
+            <a:schemeClr val="accent1"/>
+          </a:lnRef>
+          <a:fillRef idx="0">
+            <a:schemeClr val="accent1"/>
+          </a:fillRef>
+          <a:effectRef idx="0">
+            <a:schemeClr val="accent1"/>
+          </a:effectRef>
+          <a:fontRef idx="minor">
+            <a:schemeClr val="tx1"/>
+          </a:fontRef>
+        </p:style>
+      </p:cxnSp>
+      <p:sp>
+        <p:nvSpPr>
+          <p:cNvPr id="27" name="Flowchart: Process 26"/>
+          <p:cNvSpPr/>
+          <p:nvPr/>
+        </p:nvSpPr>
+        <p:spPr>
+          <a:xfrm>
+            <a:off x="1430655" y="447040"/>
+            <a:ext cx="4970780" cy="408305"/>
+          </a:xfrm>
+          <a:prstGeom prst="flowChartProcess">
+            <a:avLst/>
+          </a:prstGeom>
+          <a:noFill/>
+          <a:ln w="38100">
+            <a:solidFill>
+              <a:srgbClr val="2C3E50"/>
+            </a:solidFill>
+          </a:ln>
+          <a:extLst>
+            <a:ext uri="{909E8E84-426E-40DD-AFC4-6F175D3DCCD1}">
+              <a14:hiddenFill xmlns:a14="http://schemas.microsoft.com/office/drawing/2010/main">
+                <a:solidFill>
+                  <a:schemeClr val="accent2"/>
+                </a:solidFill>
+              </a14:hiddenFill>
+            </a:ext>
+          </a:extLst>
+        </p:spPr>
+        <p:style>
+          <a:lnRef idx="2">
+            <a:schemeClr val="accent1">
+              <a:shade val="50000"/>
+            </a:schemeClr>
+          </a:lnRef>
+          <a:fillRef idx="1">
+            <a:schemeClr val="accent1"/>
+          </a:fillRef>
+          <a:effectRef idx="0">
+            <a:schemeClr val="accent1"/>
+          </a:effectRef>
+          <a:fontRef idx="minor">
+            <a:schemeClr val="lt1"/>
+          </a:fontRef>
+        </p:style>
+        <p:txBody>
+          <a:bodyPr rtlCol="0" anchor="ctr"/>
+          <a:p>
+            <a:pPr algn="ctr"/>
+            <a:r>
+              <a:rPr lang="en-US" altLang="zh-CN" sz="1400" b="1">
+                <a:solidFill>
+                  <a:srgbClr val="2C3E50"/>
+                </a:solidFill>
+              </a:rPr>
+              <a:t>application</a:t>
+            </a:r>
+            <a:endParaRPr lang="en-US" altLang="zh-CN" sz="1400" b="1">
+              <a:solidFill>
+                <a:srgbClr val="2C3E50"/>
+              </a:solidFill>
+            </a:endParaRPr>
+          </a:p>
+        </p:txBody>
+      </p:sp>
+      <p:sp>
+        <p:nvSpPr>
+          <p:cNvPr id="28" name="Text Box 27"/>
+          <p:cNvSpPr txBox="true"/>
+          <p:nvPr/>
+        </p:nvSpPr>
+        <p:spPr>
+          <a:xfrm>
+            <a:off x="264160" y="447040"/>
+            <a:ext cx="560705" cy="275590"/>
+          </a:xfrm>
+          <a:prstGeom prst="rect">
+            <a:avLst/>
+          </a:prstGeom>
+          <a:noFill/>
+        </p:spPr>
+        <p:txBody>
+          <a:bodyPr wrap="none" rtlCol="0">
+            <a:spAutoFit/>
+          </a:bodyPr>
+          <a:p>
+            <a:r>
+              <a:rPr lang="en-US" altLang="zh-CN" sz="1200" b="1">
+                <a:solidFill>
+                  <a:srgbClr val="2C3E50"/>
+                </a:solidFill>
+              </a:rPr>
+              <a:t>user</a:t>
+            </a:r>
+            <a:endParaRPr lang="en-US" altLang="zh-CN" sz="1200" b="1">
+              <a:solidFill>
+                <a:srgbClr val="2C3E50"/>
+              </a:solidFill>
+            </a:endParaRPr>
+          </a:p>
+        </p:txBody>
+      </p:sp>
+      <p:cxnSp>
+        <p:nvCxnSpPr>
+          <p:cNvPr id="29" name="Straight Arrow Connector 28"/>
+          <p:cNvCxnSpPr>
+            <a:stCxn id="27" idx="2"/>
+          </p:cNvCxnSpPr>
+          <p:nvPr/>
+        </p:nvCxnSpPr>
+        <p:spPr>
+          <a:xfrm>
+            <a:off x="3916045" y="855345"/>
+            <a:ext cx="635" cy="542290"/>
+          </a:xfrm>
+          <a:prstGeom prst="straightConnector1">
+            <a:avLst/>
+          </a:prstGeom>
+          <a:ln w="38100">
+            <a:solidFill>
+              <a:srgbClr val="3EAF7C"/>
+            </a:solidFill>
+            <a:headEnd type="arrow"/>
+            <a:tailEnd type="arrow"/>
+          </a:ln>
+        </p:spPr>
+        <p:style>
+          <a:lnRef idx="1">
+            <a:schemeClr val="accent1"/>
+          </a:lnRef>
+          <a:fillRef idx="0">
+            <a:schemeClr val="accent1"/>
+          </a:fillRef>
+          <a:effectRef idx="0">
+            <a:schemeClr val="accent1"/>
+          </a:effectRef>
+          <a:fontRef idx="minor">
+            <a:schemeClr val="tx1"/>
+          </a:fontRef>
+        </p:style>
+      </p:cxnSp>
+      <p:sp>
+        <p:nvSpPr>
+          <p:cNvPr id="30" name="Text Box 29"/>
+          <p:cNvSpPr txBox="true"/>
+          <p:nvPr/>
+        </p:nvSpPr>
+        <p:spPr>
+          <a:xfrm>
+            <a:off x="264795" y="7204075"/>
+            <a:ext cx="6668770" cy="829945"/>
+          </a:xfrm>
+          <a:prstGeom prst="rect">
+            <a:avLst/>
+          </a:prstGeom>
+          <a:noFill/>
+        </p:spPr>
+        <p:txBody>
+          <a:bodyPr wrap="square" rtlCol="0">
+            <a:spAutoFit/>
+          </a:bodyPr>
+          <a:p>
+            <a:pPr algn="l"/>
+            <a:r>
+              <a:rPr lang="zh-CN" altLang="en-US" sz="1200" b="1">
+                <a:solidFill>
+                  <a:srgbClr val="2C3E50"/>
+                </a:solidFill>
+              </a:rPr>
+              <a:t>注：</a:t>
+            </a:r>
+            <a:endParaRPr lang="zh-CN" altLang="en-US" sz="1200" b="1">
+              <a:solidFill>
+                <a:srgbClr val="2C3E50"/>
+              </a:solidFill>
+            </a:endParaRPr>
+          </a:p>
+          <a:p>
+            <a:pPr algn="l"/>
+            <a:r>
+              <a:rPr lang="zh-CN" altLang="en-US" sz="1200" b="1">
+                <a:solidFill>
+                  <a:srgbClr val="2C3E50"/>
+                </a:solidFill>
+              </a:rPr>
+              <a:t>在</a:t>
+            </a:r>
+            <a:r>
+              <a:rPr lang="en-US" sz="1200" b="1">
+                <a:solidFill>
+                  <a:srgbClr val="2C3E50"/>
+                </a:solidFill>
+              </a:rPr>
+              <a:t>Periodic tick</a:t>
+            </a:r>
+            <a:r>
+              <a:rPr lang="zh-CN" altLang="en-US" sz="1200" b="1">
+                <a:solidFill>
+                  <a:srgbClr val="2C3E50"/>
+                </a:solidFill>
+              </a:rPr>
+              <a:t>中会更新</a:t>
+            </a:r>
+            <a:r>
+              <a:rPr lang="" altLang="zh-CN" sz="1200" b="1">
+                <a:solidFill>
+                  <a:srgbClr val="2C3E50"/>
+                </a:solidFill>
+              </a:rPr>
+              <a:t>timekeeping</a:t>
+            </a:r>
+            <a:r>
+              <a:rPr lang="zh-CN" altLang="" sz="1200" b="1">
+                <a:solidFill>
+                  <a:srgbClr val="2C3E50"/>
+                </a:solidFill>
+              </a:rPr>
+              <a:t>的</a:t>
+            </a:r>
+            <a:r>
+              <a:rPr lang="" altLang="zh-CN" sz="1200" b="1">
+                <a:solidFill>
+                  <a:srgbClr val="2C3E50"/>
+                </a:solidFill>
+              </a:rPr>
+              <a:t>walltime,</a:t>
+            </a:r>
+            <a:r>
+              <a:rPr lang="zh-CN" altLang="" sz="1200" b="1">
+                <a:solidFill>
+                  <a:srgbClr val="2C3E50"/>
+                </a:solidFill>
+              </a:rPr>
+              <a:t>那为什么还需要这个</a:t>
+            </a:r>
+            <a:r>
+              <a:rPr lang="" altLang="zh-CN" sz="1200" b="1">
+                <a:solidFill>
+                  <a:srgbClr val="2C3E50"/>
+                </a:solidFill>
+              </a:rPr>
+              <a:t>clock source?</a:t>
+            </a:r>
+            <a:endParaRPr lang="" altLang="zh-CN" sz="1200" b="1">
+              <a:solidFill>
+                <a:srgbClr val="2C3E50"/>
+              </a:solidFill>
+            </a:endParaRPr>
+          </a:p>
+          <a:p>
+            <a:pPr algn="l"/>
+            <a:endParaRPr lang="" altLang="zh-CN" sz="1200" b="1">
+              <a:solidFill>
+                <a:srgbClr val="2C3E50"/>
+              </a:solidFill>
+            </a:endParaRPr>
+          </a:p>
+          <a:p>
+            <a:pPr algn="l"/>
+            <a:r>
+              <a:rPr lang="zh-CN" altLang="" sz="1200" b="1">
+                <a:solidFill>
+                  <a:srgbClr val="2C3E50"/>
+                </a:solidFill>
+              </a:rPr>
+              <a:t>作用：提高读取到的时间精度，在读取时刻是两个</a:t>
+            </a:r>
+            <a:r>
+              <a:rPr lang="" altLang="zh-CN" sz="1200" b="1">
+                <a:solidFill>
+                  <a:srgbClr val="2C3E50"/>
+                </a:solidFill>
+              </a:rPr>
+              <a:t>tick</a:t>
+            </a:r>
+            <a:r>
+              <a:rPr lang="zh-CN" altLang="" sz="1200" b="1">
+                <a:solidFill>
+                  <a:srgbClr val="2C3E50"/>
+                </a:solidFill>
+              </a:rPr>
+              <a:t>之间时，就可以</a:t>
+            </a:r>
+            <a:r>
+              <a:rPr lang="en-US" altLang="zh-CN" sz="1200" b="1">
+                <a:solidFill>
+                  <a:srgbClr val="2C3E50"/>
+                </a:solidFill>
+              </a:rPr>
+              <a:t>   </a:t>
+            </a:r>
+            <a:r>
+              <a:rPr lang="zh-CN" altLang="" sz="1200" b="1">
+                <a:solidFill>
+                  <a:srgbClr val="2C3E50"/>
+                </a:solidFill>
+              </a:rPr>
+              <a:t>提高精度。</a:t>
+            </a:r>
+            <a:endParaRPr lang="zh-CN" altLang="" sz="1200" b="1">
+              <a:solidFill>
+                <a:srgbClr val="2C3E50"/>
+              </a:solidFill>
+            </a:endParaRPr>
           </a:p>
         </p:txBody>
       </p:sp>
@@ -6179,7 +9192,7 @@
         <a:solidFill>
           <a:schemeClr val="phClr"/>
         </a:solidFill>
-        <a:gradFill rotWithShape="1">
+        <a:gradFill rotWithShape="true">
           <a:gsLst>
             <a:gs pos="0">
               <a:schemeClr val="phClr">
@@ -6203,9 +9216,9 @@
               </a:schemeClr>
             </a:gs>
           </a:gsLst>
-          <a:lin ang="5400000" scaled="0"/>
+          <a:lin ang="5400000" scaled="false"/>
         </a:gradFill>
-        <a:gradFill rotWithShape="1">
+        <a:gradFill rotWithShape="true">
           <a:gsLst>
             <a:gs pos="0">
               <a:schemeClr val="phClr">
@@ -6229,7 +9242,7 @@
               </a:schemeClr>
             </a:gs>
           </a:gsLst>
-          <a:lin ang="5400000" scaled="0"/>
+          <a:lin ang="5400000" scaled="false"/>
         </a:gradFill>
       </a:fillStyleLst>
       <a:lnStyleLst>
@@ -6282,7 +9295,7 @@
             <a:satMod val="170000"/>
           </a:schemeClr>
         </a:solidFill>
-        <a:gradFill rotWithShape="1">
+        <a:gradFill rotWithShape="true">
           <a:gsLst>
             <a:gs pos="0">
               <a:schemeClr val="phClr">
@@ -6307,7 +9320,7 @@
               </a:schemeClr>
             </a:gs>
           </a:gsLst>
-          <a:lin ang="5400000" scaled="0"/>
+          <a:lin ang="5400000" scaled="false"/>
         </a:gradFill>
       </a:bgFillStyleLst>
     </a:fmtScheme>
@@ -6438,7 +9451,7 @@
         <a:solidFill>
           <a:schemeClr val="phClr"/>
         </a:solidFill>
-        <a:gradFill rotWithShape="1">
+        <a:gradFill rotWithShape="true">
           <a:gsLst>
             <a:gs pos="0">
               <a:schemeClr val="phClr">
@@ -6462,9 +9475,9 @@
               </a:schemeClr>
             </a:gs>
           </a:gsLst>
-          <a:lin ang="5400000" scaled="0"/>
+          <a:lin ang="5400000" scaled="false"/>
         </a:gradFill>
-        <a:gradFill rotWithShape="1">
+        <a:gradFill rotWithShape="true">
           <a:gsLst>
             <a:gs pos="0">
               <a:schemeClr val="phClr">
@@ -6488,7 +9501,7 @@
               </a:schemeClr>
             </a:gs>
           </a:gsLst>
-          <a:lin ang="5400000" scaled="0"/>
+          <a:lin ang="5400000" scaled="false"/>
         </a:gradFill>
       </a:fillStyleLst>
       <a:lnStyleLst>
@@ -6541,7 +9554,7 @@
             <a:satMod val="170000"/>
           </a:schemeClr>
         </a:solidFill>
-        <a:gradFill rotWithShape="1">
+        <a:gradFill rotWithShape="true">
           <a:gsLst>
             <a:gs pos="0">
               <a:schemeClr val="phClr">
@@ -6566,7 +9579,7 @@
               </a:schemeClr>
             </a:gs>
           </a:gsLst>
-          <a:lin ang="5400000" scaled="0"/>
+          <a:lin ang="5400000" scaled="false"/>
         </a:gradFill>
       </a:bgFillStyleLst>
     </a:fmtScheme>
@@ -6697,7 +9710,7 @@
         <a:solidFill>
           <a:schemeClr val="phClr"/>
         </a:solidFill>
-        <a:gradFill rotWithShape="1">
+        <a:gradFill rotWithShape="true">
           <a:gsLst>
             <a:gs pos="0">
               <a:schemeClr val="phClr">
@@ -6721,9 +9734,9 @@
               </a:schemeClr>
             </a:gs>
           </a:gsLst>
-          <a:lin ang="5400000" scaled="0"/>
+          <a:lin ang="5400000" scaled="false"/>
         </a:gradFill>
-        <a:gradFill rotWithShape="1">
+        <a:gradFill rotWithShape="true">
           <a:gsLst>
             <a:gs pos="0">
               <a:schemeClr val="phClr">
@@ -6747,7 +9760,7 @@
               </a:schemeClr>
             </a:gs>
           </a:gsLst>
-          <a:lin ang="5400000" scaled="0"/>
+          <a:lin ang="5400000" scaled="false"/>
         </a:gradFill>
       </a:fillStyleLst>
       <a:lnStyleLst>
@@ -6800,7 +9813,7 @@
             <a:satMod val="170000"/>
           </a:schemeClr>
         </a:solidFill>
-        <a:gradFill rotWithShape="1">
+        <a:gradFill rotWithShape="true">
           <a:gsLst>
             <a:gs pos="0">
               <a:schemeClr val="phClr">
@@ -6825,7 +9838,7 @@
               </a:schemeClr>
             </a:gs>
           </a:gsLst>
-          <a:lin ang="5400000" scaled="0"/>
+          <a:lin ang="5400000" scaled="false"/>
         </a:gradFill>
       </a:bgFillStyleLst>
     </a:fmtScheme>
